--- a/kubernetes-netcore/kubernetes.pptx
+++ b/kubernetes-netcore/kubernetes.pptx
@@ -5,7 +5,7 @@
     <p:sldMasterId id="2147483648" r:id="rId1"/>
   </p:sldMasterIdLst>
   <p:notesMasterIdLst>
-    <p:notesMasterId r:id="rId70"/>
+    <p:notesMasterId r:id="rId71"/>
   </p:notesMasterIdLst>
   <p:sldIdLst>
     <p:sldId id="256" r:id="rId2"/>
@@ -60,22 +60,23 @@
     <p:sldId id="328" r:id="rId51"/>
     <p:sldId id="325" r:id="rId52"/>
     <p:sldId id="329" r:id="rId53"/>
-    <p:sldId id="287" r:id="rId54"/>
-    <p:sldId id="316" r:id="rId55"/>
-    <p:sldId id="319" r:id="rId56"/>
-    <p:sldId id="317" r:id="rId57"/>
-    <p:sldId id="318" r:id="rId58"/>
-    <p:sldId id="320" r:id="rId59"/>
-    <p:sldId id="321" r:id="rId60"/>
-    <p:sldId id="322" r:id="rId61"/>
-    <p:sldId id="323" r:id="rId62"/>
-    <p:sldId id="286" r:id="rId63"/>
-    <p:sldId id="288" r:id="rId64"/>
-    <p:sldId id="289" r:id="rId65"/>
-    <p:sldId id="290" r:id="rId66"/>
-    <p:sldId id="297" r:id="rId67"/>
-    <p:sldId id="295" r:id="rId68"/>
-    <p:sldId id="257" r:id="rId69"/>
+    <p:sldId id="336" r:id="rId54"/>
+    <p:sldId id="287" r:id="rId55"/>
+    <p:sldId id="316" r:id="rId56"/>
+    <p:sldId id="319" r:id="rId57"/>
+    <p:sldId id="317" r:id="rId58"/>
+    <p:sldId id="318" r:id="rId59"/>
+    <p:sldId id="320" r:id="rId60"/>
+    <p:sldId id="321" r:id="rId61"/>
+    <p:sldId id="322" r:id="rId62"/>
+    <p:sldId id="323" r:id="rId63"/>
+    <p:sldId id="286" r:id="rId64"/>
+    <p:sldId id="288" r:id="rId65"/>
+    <p:sldId id="289" r:id="rId66"/>
+    <p:sldId id="290" r:id="rId67"/>
+    <p:sldId id="297" r:id="rId68"/>
+    <p:sldId id="295" r:id="rId69"/>
+    <p:sldId id="257" r:id="rId70"/>
   </p:sldIdLst>
   <p:sldSz cx="12192000" cy="6858000"/>
   <p:notesSz cx="6858000" cy="9144000"/>
@@ -3083,7 +3084,7 @@
           <a:p>
             <a:fld id="{EB3586D1-9A9B-4A13-8983-B7906950C648}" type="datetimeFigureOut">
               <a:rPr lang="zh-CN" altLang="en-US" smtClean="0"/>
-              <a:t>2019/8/8</a:t>
+              <a:t>2019/8/9</a:t>
             </a:fld>
             <a:endParaRPr lang="zh-CN" altLang="en-US"/>
           </a:p>
@@ -4734,7 +4735,7 @@
           <a:p>
             <a:fld id="{C78FF40C-989A-452E-8004-E7D0455BC254}" type="slidenum">
               <a:rPr lang="zh-CN" altLang="en-US" smtClean="0"/>
-              <a:t>61</a:t>
+              <a:t>62</a:t>
             </a:fld>
             <a:endParaRPr lang="zh-CN" altLang="en-US"/>
           </a:p>
@@ -4900,7 +4901,7 @@
           <a:p>
             <a:fld id="{2328C41B-48A3-47AC-B18B-81A9BC6A6005}" type="datetimeFigureOut">
               <a:rPr lang="zh-CN" altLang="en-US" smtClean="0"/>
-              <a:t>2019/8/8</a:t>
+              <a:t>2019/8/9</a:t>
             </a:fld>
             <a:endParaRPr lang="zh-CN" altLang="en-US"/>
           </a:p>
@@ -5188,7 +5189,7 @@
           <a:p>
             <a:fld id="{2328C41B-48A3-47AC-B18B-81A9BC6A6005}" type="datetimeFigureOut">
               <a:rPr lang="zh-CN" altLang="en-US" smtClean="0"/>
-              <a:t>2019/8/8</a:t>
+              <a:t>2019/8/9</a:t>
             </a:fld>
             <a:endParaRPr lang="zh-CN" altLang="en-US"/>
           </a:p>
@@ -5386,7 +5387,7 @@
           <a:p>
             <a:fld id="{2328C41B-48A3-47AC-B18B-81A9BC6A6005}" type="datetimeFigureOut">
               <a:rPr lang="zh-CN" altLang="en-US" smtClean="0"/>
-              <a:t>2019/8/8</a:t>
+              <a:t>2019/8/9</a:t>
             </a:fld>
             <a:endParaRPr lang="zh-CN" altLang="en-US"/>
           </a:p>
@@ -5594,7 +5595,7 @@
           <a:p>
             <a:fld id="{2328C41B-48A3-47AC-B18B-81A9BC6A6005}" type="datetimeFigureOut">
               <a:rPr lang="zh-CN" altLang="en-US" smtClean="0"/>
-              <a:t>2019/8/8</a:t>
+              <a:t>2019/8/9</a:t>
             </a:fld>
             <a:endParaRPr lang="zh-CN" altLang="en-US"/>
           </a:p>
@@ -5792,7 +5793,7 @@
           <a:p>
             <a:fld id="{2328C41B-48A3-47AC-B18B-81A9BC6A6005}" type="datetimeFigureOut">
               <a:rPr lang="zh-CN" altLang="en-US" smtClean="0"/>
-              <a:t>2019/8/8</a:t>
+              <a:t>2019/8/9</a:t>
             </a:fld>
             <a:endParaRPr lang="zh-CN" altLang="en-US"/>
           </a:p>
@@ -6035,7 +6036,7 @@
           <a:p>
             <a:fld id="{2328C41B-48A3-47AC-B18B-81A9BC6A6005}" type="datetimeFigureOut">
               <a:rPr lang="zh-CN" altLang="en-US" smtClean="0"/>
-              <a:t>2019/8/8</a:t>
+              <a:t>2019/8/9</a:t>
             </a:fld>
             <a:endParaRPr lang="zh-CN" altLang="en-US"/>
           </a:p>
@@ -6355,7 +6356,7 @@
           <a:p>
             <a:fld id="{2328C41B-48A3-47AC-B18B-81A9BC6A6005}" type="datetimeFigureOut">
               <a:rPr lang="zh-CN" altLang="en-US" smtClean="0"/>
-              <a:t>2019/8/8</a:t>
+              <a:t>2019/8/9</a:t>
             </a:fld>
             <a:endParaRPr lang="zh-CN" altLang="en-US"/>
           </a:p>
@@ -6620,7 +6621,7 @@
           <a:p>
             <a:fld id="{2328C41B-48A3-47AC-B18B-81A9BC6A6005}" type="datetimeFigureOut">
               <a:rPr lang="zh-CN" altLang="en-US" smtClean="0"/>
-              <a:t>2019/8/8</a:t>
+              <a:t>2019/8/9</a:t>
             </a:fld>
             <a:endParaRPr lang="zh-CN" altLang="en-US"/>
           </a:p>
@@ -7032,7 +7033,7 @@
           <a:p>
             <a:fld id="{2328C41B-48A3-47AC-B18B-81A9BC6A6005}" type="datetimeFigureOut">
               <a:rPr lang="zh-CN" altLang="en-US" smtClean="0"/>
-              <a:t>2019/8/8</a:t>
+              <a:t>2019/8/9</a:t>
             </a:fld>
             <a:endParaRPr lang="zh-CN" altLang="en-US"/>
           </a:p>
@@ -7173,7 +7174,7 @@
           <a:p>
             <a:fld id="{2328C41B-48A3-47AC-B18B-81A9BC6A6005}" type="datetimeFigureOut">
               <a:rPr lang="zh-CN" altLang="en-US" smtClean="0"/>
-              <a:t>2019/8/8</a:t>
+              <a:t>2019/8/9</a:t>
             </a:fld>
             <a:endParaRPr lang="zh-CN" altLang="en-US"/>
           </a:p>
@@ -7286,7 +7287,7 @@
           <a:p>
             <a:fld id="{2328C41B-48A3-47AC-B18B-81A9BC6A6005}" type="datetimeFigureOut">
               <a:rPr lang="zh-CN" altLang="en-US" smtClean="0"/>
-              <a:t>2019/8/8</a:t>
+              <a:t>2019/8/9</a:t>
             </a:fld>
             <a:endParaRPr lang="zh-CN" altLang="en-US"/>
           </a:p>
@@ -7597,7 +7598,7 @@
           <a:p>
             <a:fld id="{2328C41B-48A3-47AC-B18B-81A9BC6A6005}" type="datetimeFigureOut">
               <a:rPr lang="zh-CN" altLang="en-US" smtClean="0"/>
-              <a:t>2019/8/8</a:t>
+              <a:t>2019/8/9</a:t>
             </a:fld>
             <a:endParaRPr lang="zh-CN" altLang="en-US"/>
           </a:p>
@@ -7838,7 +7839,7 @@
           <a:p>
             <a:fld id="{2328C41B-48A3-47AC-B18B-81A9BC6A6005}" type="datetimeFigureOut">
               <a:rPr lang="zh-CN" altLang="en-US" smtClean="0"/>
-              <a:t>2019/8/8</a:t>
+              <a:t>2019/8/9</a:t>
             </a:fld>
             <a:endParaRPr lang="zh-CN" altLang="en-US"/>
           </a:p>
@@ -32203,6 +32204,477 @@
       </p:grpSpPr>
       <p:sp>
         <p:nvSpPr>
+          <p:cNvPr id="3" name="标题 2">
+            <a:extLst>
+              <a:ext uri="{FF2B5EF4-FFF2-40B4-BE49-F238E27FC236}">
+                <a16:creationId xmlns:a16="http://schemas.microsoft.com/office/drawing/2014/main" id="{F6B59E27-125D-4F26-B2DE-9EED37AF9262}"/>
+              </a:ext>
+            </a:extLst>
+          </p:cNvPr>
+          <p:cNvSpPr>
+            <a:spLocks noGrp="1"/>
+          </p:cNvSpPr>
+          <p:nvPr>
+            <p:ph type="title"/>
+          </p:nvPr>
+        </p:nvSpPr>
+        <p:spPr/>
+        <p:txBody>
+          <a:bodyPr/>
+          <a:lstStyle/>
+          <a:p>
+            <a:r>
+              <a:rPr lang="en-US" altLang="zh-CN" dirty="0" err="1"/>
+              <a:t>kubeadm</a:t>
+            </a:r>
+            <a:endParaRPr lang="zh-CN" altLang="en-US" dirty="0"/>
+          </a:p>
+        </p:txBody>
+      </p:sp>
+      <p:sp>
+        <p:nvSpPr>
+          <p:cNvPr id="4" name="矩形 3">
+            <a:extLst>
+              <a:ext uri="{FF2B5EF4-FFF2-40B4-BE49-F238E27FC236}">
+                <a16:creationId xmlns:a16="http://schemas.microsoft.com/office/drawing/2014/main" id="{C9E68918-E2E7-4D8D-BFB7-3BEA60C09853}"/>
+              </a:ext>
+            </a:extLst>
+          </p:cNvPr>
+          <p:cNvSpPr/>
+          <p:nvPr/>
+        </p:nvSpPr>
+        <p:spPr>
+          <a:xfrm>
+            <a:off x="1023457" y="1943878"/>
+            <a:ext cx="10578516" cy="3416320"/>
+          </a:xfrm>
+          <a:prstGeom prst="rect">
+            <a:avLst/>
+          </a:prstGeom>
+        </p:spPr>
+        <p:txBody>
+          <a:bodyPr wrap="square">
+            <a:spAutoFit/>
+          </a:bodyPr>
+          <a:lstStyle/>
+          <a:p>
+            <a:r>
+              <a:rPr lang="zh-CN" altLang="en-US" dirty="0">
+                <a:solidFill>
+                  <a:srgbClr val="333333"/>
+                </a:solidFill>
+                <a:latin typeface="PingFang SC"/>
+              </a:rPr>
+              <a:t>第一步，是在机器上手动安装 </a:t>
+            </a:r>
+            <a:r>
+              <a:rPr lang="en-US" altLang="zh-CN" dirty="0" err="1">
+                <a:solidFill>
+                  <a:srgbClr val="333333"/>
+                </a:solidFill>
+                <a:latin typeface="PingFang SC"/>
+              </a:rPr>
+              <a:t>kubeadm</a:t>
+            </a:r>
+            <a:r>
+              <a:rPr lang="zh-CN" altLang="en-US" dirty="0">
+                <a:solidFill>
+                  <a:srgbClr val="333333"/>
+                </a:solidFill>
+                <a:latin typeface="PingFang SC"/>
+              </a:rPr>
+              <a:t>、</a:t>
+            </a:r>
+            <a:r>
+              <a:rPr lang="en-US" altLang="zh-CN" dirty="0" err="1">
+                <a:solidFill>
+                  <a:srgbClr val="333333"/>
+                </a:solidFill>
+                <a:latin typeface="PingFang SC"/>
+              </a:rPr>
+              <a:t>kubelet</a:t>
+            </a:r>
+            <a:r>
+              <a:rPr lang="zh-CN" altLang="en-US" dirty="0"/>
+              <a:t>和 </a:t>
+            </a:r>
+            <a:r>
+              <a:rPr lang="en-US" altLang="zh-CN" dirty="0" err="1"/>
+              <a:t>kubectl</a:t>
+            </a:r>
+            <a:r>
+              <a:rPr lang="en-US" altLang="zh-CN" dirty="0"/>
+              <a:t> </a:t>
+            </a:r>
+            <a:r>
+              <a:rPr lang="zh-CN" altLang="en-US" dirty="0"/>
+              <a:t>这三个二进制文件。</a:t>
+            </a:r>
+            <a:endParaRPr lang="en-US" altLang="zh-CN" dirty="0"/>
+          </a:p>
+          <a:p>
+            <a:r>
+              <a:rPr lang="en-US" altLang="zh-CN" dirty="0" err="1"/>
+              <a:t>Kubeadm</a:t>
+            </a:r>
+            <a:r>
+              <a:rPr lang="en-US" altLang="zh-CN" dirty="0"/>
+              <a:t> </a:t>
+            </a:r>
+            <a:r>
+              <a:rPr lang="en-US" altLang="zh-CN" dirty="0" err="1"/>
+              <a:t>init</a:t>
+            </a:r>
+            <a:endParaRPr lang="en-US" altLang="zh-CN" dirty="0"/>
+          </a:p>
+          <a:p>
+            <a:pPr marL="342900" indent="-342900">
+              <a:buFont typeface="+mj-lt"/>
+              <a:buAutoNum type="arabicPeriod"/>
+            </a:pPr>
+            <a:r>
+              <a:rPr lang="zh-CN" altLang="en-US" dirty="0"/>
+              <a:t>检查这台主机</a:t>
+            </a:r>
+            <a:endParaRPr lang="en-US" altLang="zh-CN" dirty="0"/>
+          </a:p>
+          <a:p>
+            <a:pPr marL="342900" indent="-342900">
+              <a:buFont typeface="+mj-lt"/>
+              <a:buAutoNum type="arabicPeriod"/>
+            </a:pPr>
+            <a:r>
+              <a:rPr lang="zh-CN" altLang="en-US" dirty="0"/>
+              <a:t>生成对外提对外提供服务的证书和目录</a:t>
+            </a:r>
+            <a:endParaRPr lang="en-US" altLang="zh-CN" dirty="0"/>
+          </a:p>
+          <a:p>
+            <a:pPr marL="342900" indent="-342900">
+              <a:buFont typeface="+mj-lt"/>
+              <a:buAutoNum type="arabicPeriod"/>
+            </a:pPr>
+            <a:r>
+              <a:rPr lang="zh-CN" altLang="en-US" dirty="0"/>
+              <a:t>生成其他组件所需的配置文件（</a:t>
+            </a:r>
+            <a:r>
+              <a:rPr lang="en-US" altLang="zh-CN" dirty="0"/>
+              <a:t>/</a:t>
+            </a:r>
+            <a:r>
+              <a:rPr lang="en-US" altLang="zh-CN" dirty="0" err="1"/>
+              <a:t>etc</a:t>
+            </a:r>
+            <a:r>
+              <a:rPr lang="en-US" altLang="zh-CN" dirty="0"/>
+              <a:t>/Kubernetes/***.conf</a:t>
+            </a:r>
+            <a:r>
+              <a:rPr lang="zh-CN" altLang="en-US" dirty="0"/>
+              <a:t>）</a:t>
+            </a:r>
+            <a:endParaRPr lang="en-US" altLang="zh-CN" dirty="0"/>
+          </a:p>
+          <a:p>
+            <a:pPr marL="342900" indent="-342900">
+              <a:buFont typeface="+mj-lt"/>
+              <a:buAutoNum type="arabicPeriod"/>
+            </a:pPr>
+            <a:r>
+              <a:rPr lang="zh-CN" altLang="en-US" dirty="0"/>
+              <a:t>为</a:t>
+            </a:r>
+            <a:r>
+              <a:rPr lang="en-US" altLang="zh-CN" dirty="0"/>
+              <a:t>master</a:t>
+            </a:r>
+            <a:r>
+              <a:rPr lang="zh-CN" altLang="en-US" dirty="0"/>
+              <a:t>组件生成</a:t>
+            </a:r>
+            <a:r>
+              <a:rPr lang="en-US" altLang="zh-CN" dirty="0"/>
+              <a:t>Pod</a:t>
+            </a:r>
+            <a:r>
+              <a:rPr lang="zh-CN" altLang="en-US" dirty="0"/>
+              <a:t>配置文件（</a:t>
+            </a:r>
+            <a:r>
+              <a:rPr lang="en-US" altLang="zh-CN" dirty="0" err="1"/>
+              <a:t>kube-apiserver</a:t>
+            </a:r>
+            <a:r>
+              <a:rPr lang="zh-CN" altLang="en-US" dirty="0"/>
+              <a:t>、</a:t>
+            </a:r>
+            <a:r>
+              <a:rPr lang="en-US" altLang="zh-CN" dirty="0" err="1"/>
+              <a:t>kube</a:t>
+            </a:r>
+            <a:r>
+              <a:rPr lang="en-US" altLang="zh-CN" dirty="0"/>
+              <a:t>-controller-manager</a:t>
+            </a:r>
+            <a:r>
+              <a:rPr lang="zh-CN" altLang="en-US" dirty="0"/>
+              <a:t>、</a:t>
+            </a:r>
+            <a:r>
+              <a:rPr lang="en-US" altLang="zh-CN" dirty="0" err="1"/>
+              <a:t>kube</a:t>
+            </a:r>
+            <a:r>
+              <a:rPr lang="en-US" altLang="zh-CN" dirty="0"/>
+              <a:t>-scheduler</a:t>
+            </a:r>
+            <a:r>
+              <a:rPr lang="zh-CN" altLang="en-US" dirty="0"/>
+              <a:t>）</a:t>
+            </a:r>
+            <a:endParaRPr lang="en-US" altLang="zh-CN" dirty="0"/>
+          </a:p>
+          <a:p>
+            <a:pPr marL="342900" indent="-342900">
+              <a:buFont typeface="+mj-lt"/>
+              <a:buAutoNum type="arabicPeriod"/>
+            </a:pPr>
+            <a:r>
+              <a:rPr lang="zh-CN" altLang="en-US" dirty="0"/>
+              <a:t>为</a:t>
+            </a:r>
+            <a:r>
+              <a:rPr lang="en-US" altLang="zh-CN" dirty="0"/>
+              <a:t>master</a:t>
+            </a:r>
+            <a:r>
+              <a:rPr lang="zh-CN" altLang="en-US" dirty="0"/>
+              <a:t>生成</a:t>
+            </a:r>
+            <a:r>
+              <a:rPr lang="en-US" altLang="zh-CN" dirty="0"/>
+              <a:t>Static Pod</a:t>
+            </a:r>
+            <a:r>
+              <a:rPr lang="zh-CN" altLang="en-US" dirty="0"/>
+              <a:t>的</a:t>
+            </a:r>
+            <a:r>
+              <a:rPr lang="en-US" altLang="zh-CN" dirty="0" err="1"/>
+              <a:t>yaml</a:t>
+            </a:r>
+            <a:r>
+              <a:rPr lang="zh-CN" altLang="en-US" dirty="0"/>
+              <a:t>文件（</a:t>
+            </a:r>
+            <a:r>
+              <a:rPr lang="en-US" altLang="zh-CN" dirty="0" err="1"/>
+              <a:t>etcd.yaml</a:t>
+            </a:r>
+            <a:r>
+              <a:rPr lang="zh-CN" altLang="en-US" dirty="0"/>
+              <a:t>、</a:t>
+            </a:r>
+            <a:r>
+              <a:rPr lang="en-US" altLang="zh-CN" dirty="0" err="1"/>
+              <a:t>kube-apiserver.yaml</a:t>
+            </a:r>
+            <a:r>
+              <a:rPr lang="zh-CN" altLang="en-US" dirty="0"/>
+              <a:t>、</a:t>
+            </a:r>
+            <a:r>
+              <a:rPr lang="en-US" altLang="zh-CN" dirty="0" err="1"/>
+              <a:t>kube</a:t>
+            </a:r>
+            <a:r>
+              <a:rPr lang="en-US" altLang="zh-CN" dirty="0"/>
+              <a:t>-controller-</a:t>
+            </a:r>
+            <a:r>
+              <a:rPr lang="en-US" altLang="zh-CN" dirty="0" err="1"/>
+              <a:t>manager.yaml</a:t>
+            </a:r>
+            <a:r>
+              <a:rPr lang="zh-CN" altLang="en-US" dirty="0"/>
+              <a:t>、</a:t>
+            </a:r>
+            <a:r>
+              <a:rPr lang="en-US" altLang="zh-CN" dirty="0" err="1"/>
+              <a:t>kube-scheduler.yaml</a:t>
+            </a:r>
+            <a:r>
+              <a:rPr lang="zh-CN" altLang="en-US" dirty="0"/>
+              <a:t>），然后</a:t>
+            </a:r>
+            <a:r>
+              <a:rPr lang="en-US" altLang="zh-CN" dirty="0" err="1"/>
+              <a:t>kubelet</a:t>
+            </a:r>
+            <a:r>
+              <a:rPr lang="zh-CN" altLang="en-US" dirty="0"/>
+              <a:t>会启动这些</a:t>
+            </a:r>
+            <a:r>
+              <a:rPr lang="en-US" altLang="zh-CN" dirty="0"/>
+              <a:t>pod</a:t>
+            </a:r>
+          </a:p>
+          <a:p>
+            <a:pPr marL="342900" indent="-342900">
+              <a:buFont typeface="+mj-lt"/>
+              <a:buAutoNum type="arabicPeriod"/>
+            </a:pPr>
+            <a:r>
+              <a:rPr lang="en-US" altLang="zh-CN" dirty="0" err="1"/>
+              <a:t>Kubeadm</a:t>
+            </a:r>
+            <a:r>
+              <a:rPr lang="zh-CN" altLang="en-US" dirty="0"/>
+              <a:t>生成一个</a:t>
+            </a:r>
+            <a:r>
+              <a:rPr lang="en-US" altLang="zh-CN" dirty="0"/>
+              <a:t>bootstrap token</a:t>
+            </a:r>
+            <a:r>
+              <a:rPr lang="zh-CN" altLang="en-US" dirty="0"/>
+              <a:t>，用来在节点上</a:t>
+            </a:r>
+            <a:r>
+              <a:rPr lang="en-US" altLang="zh-CN" dirty="0" err="1"/>
+              <a:t>kubeadm</a:t>
+            </a:r>
+            <a:r>
+              <a:rPr lang="en-US" altLang="zh-CN" dirty="0"/>
+              <a:t> join</a:t>
+            </a:r>
+          </a:p>
+          <a:p>
+            <a:pPr marL="342900" indent="-342900">
+              <a:buFont typeface="+mj-lt"/>
+              <a:buAutoNum type="arabicPeriod"/>
+            </a:pPr>
+            <a:r>
+              <a:rPr lang="zh-CN" altLang="en-US" dirty="0"/>
+              <a:t>生成</a:t>
+            </a:r>
+            <a:r>
+              <a:rPr lang="en-US" altLang="zh-CN" dirty="0"/>
+              <a:t>token</a:t>
+            </a:r>
+            <a:r>
+              <a:rPr lang="zh-CN" altLang="en-US" dirty="0"/>
+              <a:t>后，会将证书等</a:t>
+            </a:r>
+            <a:r>
+              <a:rPr lang="en-US" altLang="zh-CN" dirty="0"/>
+              <a:t>master</a:t>
+            </a:r>
+            <a:r>
+              <a:rPr lang="zh-CN" altLang="en-US" dirty="0"/>
+              <a:t>节点重要信息，通过</a:t>
+            </a:r>
+            <a:r>
+              <a:rPr lang="en-US" altLang="zh-CN" dirty="0" err="1"/>
+              <a:t>ConfigMap</a:t>
+            </a:r>
+            <a:r>
+              <a:rPr lang="zh-CN" altLang="en-US" dirty="0"/>
+              <a:t>的方式保存在</a:t>
+            </a:r>
+            <a:r>
+              <a:rPr lang="en-US" altLang="zh-CN" dirty="0" err="1"/>
+              <a:t>Etcd</a:t>
+            </a:r>
+            <a:r>
+              <a:rPr lang="zh-CN" altLang="en-US" dirty="0"/>
+              <a:t>中，供部署</a:t>
+            </a:r>
+            <a:r>
+              <a:rPr lang="en-US" altLang="zh-CN" dirty="0"/>
+              <a:t>Node</a:t>
+            </a:r>
+            <a:r>
+              <a:rPr lang="zh-CN" altLang="en-US" dirty="0"/>
+              <a:t>节点使用</a:t>
+            </a:r>
+            <a:endParaRPr lang="en-US" altLang="zh-CN" dirty="0"/>
+          </a:p>
+          <a:p>
+            <a:pPr marL="342900" indent="-342900">
+              <a:buFont typeface="+mj-lt"/>
+              <a:buAutoNum type="arabicPeriod"/>
+            </a:pPr>
+            <a:r>
+              <a:rPr lang="zh-CN" altLang="en-US" dirty="0"/>
+              <a:t>安装默认插件</a:t>
+            </a:r>
+            <a:r>
+              <a:rPr lang="en-US" altLang="zh-CN" dirty="0"/>
+              <a:t>——</a:t>
+            </a:r>
+            <a:r>
+              <a:rPr lang="en-US" altLang="zh-CN" dirty="0" err="1"/>
+              <a:t>kube</a:t>
+            </a:r>
+            <a:r>
+              <a:rPr lang="en-US" altLang="zh-CN" dirty="0"/>
+              <a:t>-proxy</a:t>
+            </a:r>
+            <a:r>
+              <a:rPr lang="zh-CN" altLang="en-US" dirty="0"/>
+              <a:t>和</a:t>
+            </a:r>
+            <a:r>
+              <a:rPr lang="en-US" altLang="zh-CN" dirty="0"/>
+              <a:t>DNS(</a:t>
+            </a:r>
+            <a:r>
+              <a:rPr lang="zh-CN" altLang="en-US" dirty="0"/>
+              <a:t>成为</a:t>
+            </a:r>
+            <a:r>
+              <a:rPr lang="en-US" altLang="zh-CN"/>
+              <a:t>Pod)</a:t>
+            </a:r>
+            <a:endParaRPr lang="zh-CN" altLang="en-US" dirty="0"/>
+          </a:p>
+        </p:txBody>
+      </p:sp>
+    </p:spTree>
+    <p:extLst>
+      <p:ext uri="{BB962C8B-B14F-4D97-AF65-F5344CB8AC3E}">
+        <p14:creationId xmlns:p14="http://schemas.microsoft.com/office/powerpoint/2010/main" val="3355598574"/>
+      </p:ext>
+    </p:extLst>
+  </p:cSld>
+  <p:clrMapOvr>
+    <a:masterClrMapping/>
+  </p:clrMapOvr>
+</p:sld>
+</file>
+
+<file path=ppt/slides/slide54.xml><?xml version="1.0" encoding="utf-8"?>
+<p:sld xmlns:a="http://schemas.openxmlformats.org/drawingml/2006/main" xmlns:r="http://schemas.openxmlformats.org/officeDocument/2006/relationships" xmlns:p="http://schemas.openxmlformats.org/presentationml/2006/main">
+  <p:cSld>
+    <p:spTree>
+      <p:nvGrpSpPr>
+        <p:cNvPr id="1" name=""/>
+        <p:cNvGrpSpPr/>
+        <p:nvPr/>
+      </p:nvGrpSpPr>
+      <p:grpSpPr>
+        <a:xfrm>
+          <a:off x="0" y="0"/>
+          <a:ext cx="0" cy="0"/>
+          <a:chOff x="0" y="0"/>
+          <a:chExt cx="0" cy="0"/>
+        </a:xfrm>
+      </p:grpSpPr>
+      <p:sp>
+        <p:nvSpPr>
           <p:cNvPr id="2" name="矩形 1">
             <a:extLst>
               <a:ext uri="{FF2B5EF4-FFF2-40B4-BE49-F238E27FC236}">
@@ -32343,844 +32815,6 @@
     <p:extLst>
       <p:ext uri="{BB962C8B-B14F-4D97-AF65-F5344CB8AC3E}">
         <p14:creationId xmlns:p14="http://schemas.microsoft.com/office/powerpoint/2010/main" val="2072790874"/>
-      </p:ext>
-    </p:extLst>
-  </p:cSld>
-  <p:clrMapOvr>
-    <a:masterClrMapping/>
-  </p:clrMapOvr>
-</p:sld>
-</file>
-
-<file path=ppt/slides/slide54.xml><?xml version="1.0" encoding="utf-8"?>
-<p:sld xmlns:a="http://schemas.openxmlformats.org/drawingml/2006/main" xmlns:r="http://schemas.openxmlformats.org/officeDocument/2006/relationships" xmlns:p="http://schemas.openxmlformats.org/presentationml/2006/main">
-  <p:cSld>
-    <p:spTree>
-      <p:nvGrpSpPr>
-        <p:cNvPr id="1" name=""/>
-        <p:cNvGrpSpPr/>
-        <p:nvPr/>
-      </p:nvGrpSpPr>
-      <p:grpSpPr>
-        <a:xfrm>
-          <a:off x="0" y="0"/>
-          <a:ext cx="0" cy="0"/>
-          <a:chOff x="0" y="0"/>
-          <a:chExt cx="0" cy="0"/>
-        </a:xfrm>
-      </p:grpSpPr>
-      <p:sp>
-        <p:nvSpPr>
-          <p:cNvPr id="2" name="标题 1">
-            <a:extLst>
-              <a:ext uri="{FF2B5EF4-FFF2-40B4-BE49-F238E27FC236}">
-                <a16:creationId xmlns:a16="http://schemas.microsoft.com/office/drawing/2014/main" id="{F862FC22-B807-4FD9-8F7C-93EA3EC63330}"/>
-              </a:ext>
-            </a:extLst>
-          </p:cNvPr>
-          <p:cNvSpPr>
-            <a:spLocks noGrp="1"/>
-          </p:cNvSpPr>
-          <p:nvPr>
-            <p:ph type="title"/>
-          </p:nvPr>
-        </p:nvSpPr>
-        <p:spPr/>
-        <p:txBody>
-          <a:bodyPr/>
-          <a:lstStyle/>
-          <a:p>
-            <a:r>
-              <a:rPr lang="zh-CN" altLang="en-US" dirty="0"/>
-              <a:t>执行</a:t>
-            </a:r>
-            <a:r>
-              <a:rPr lang="en-US" altLang="zh-CN" dirty="0"/>
-              <a:t>master</a:t>
-            </a:r>
-            <a:r>
-              <a:rPr lang="zh-CN" altLang="en-US" dirty="0"/>
-              <a:t>初始化</a:t>
-            </a:r>
-          </a:p>
-        </p:txBody>
-      </p:sp>
-      <p:sp>
-        <p:nvSpPr>
-          <p:cNvPr id="5" name="矩形 4">
-            <a:extLst>
-              <a:ext uri="{FF2B5EF4-FFF2-40B4-BE49-F238E27FC236}">
-                <a16:creationId xmlns:a16="http://schemas.microsoft.com/office/drawing/2014/main" id="{2B695B11-EA8B-42E1-959C-880614D8BAA3}"/>
-              </a:ext>
-            </a:extLst>
-          </p:cNvPr>
-          <p:cNvSpPr/>
-          <p:nvPr/>
-        </p:nvSpPr>
-        <p:spPr>
-          <a:xfrm>
-            <a:off x="956457" y="1548526"/>
-            <a:ext cx="9712170" cy="369332"/>
-          </a:xfrm>
-          <a:prstGeom prst="rect">
-            <a:avLst/>
-          </a:prstGeom>
-          <a:solidFill>
-            <a:schemeClr val="tx1"/>
-          </a:solidFill>
-        </p:spPr>
-        <p:style>
-          <a:lnRef idx="2">
-            <a:schemeClr val="accent6"/>
-          </a:lnRef>
-          <a:fillRef idx="1">
-            <a:schemeClr val="lt1"/>
-          </a:fillRef>
-          <a:effectRef idx="0">
-            <a:schemeClr val="accent6"/>
-          </a:effectRef>
-          <a:fontRef idx="minor">
-            <a:schemeClr val="dk1"/>
-          </a:fontRef>
-        </p:style>
-        <p:txBody>
-          <a:bodyPr wrap="square">
-            <a:spAutoFit/>
-          </a:bodyPr>
-          <a:lstStyle/>
-          <a:p>
-            <a:pPr lvl="0" eaLnBrk="0" fontAlgn="base" hangingPunct="0">
-              <a:spcBef>
-                <a:spcPct val="0"/>
-              </a:spcBef>
-              <a:spcAft>
-                <a:spcPct val="0"/>
-              </a:spcAft>
-            </a:pPr>
-            <a:r>
-              <a:rPr lang="zh-CN" altLang="zh-CN" dirty="0">
-                <a:solidFill>
-                  <a:srgbClr val="92D050"/>
-                </a:solidFill>
-                <a:latin typeface="+mn-ea"/>
-              </a:rPr>
-              <a:t>sudo kubeadm init --config kubeadm.yaml --ignore-preflight-errors=swap</a:t>
-            </a:r>
-            <a:r>
-              <a:rPr lang="zh-CN" altLang="zh-CN" sz="1600" dirty="0">
-                <a:solidFill>
-                  <a:srgbClr val="92D050"/>
-                </a:solidFill>
-                <a:latin typeface="+mn-ea"/>
-              </a:rPr>
-              <a:t> </a:t>
-            </a:r>
-            <a:endParaRPr lang="zh-CN" altLang="zh-CN" sz="4400" dirty="0">
-              <a:solidFill>
-                <a:srgbClr val="92D050"/>
-              </a:solidFill>
-              <a:latin typeface="+mn-ea"/>
-            </a:endParaRPr>
-          </a:p>
-        </p:txBody>
-      </p:sp>
-      <p:sp>
-        <p:nvSpPr>
-          <p:cNvPr id="7" name="矩形 6">
-            <a:extLst>
-              <a:ext uri="{FF2B5EF4-FFF2-40B4-BE49-F238E27FC236}">
-                <a16:creationId xmlns:a16="http://schemas.microsoft.com/office/drawing/2014/main" id="{1D95CBBC-3713-4F53-9E3E-1549B8C736DE}"/>
-              </a:ext>
-            </a:extLst>
-          </p:cNvPr>
-          <p:cNvSpPr/>
-          <p:nvPr/>
-        </p:nvSpPr>
-        <p:spPr>
-          <a:xfrm>
-            <a:off x="956457" y="4524109"/>
-            <a:ext cx="4801314" cy="369332"/>
-          </a:xfrm>
-          <a:prstGeom prst="rect">
-            <a:avLst/>
-          </a:prstGeom>
-        </p:spPr>
-        <p:txBody>
-          <a:bodyPr wrap="none">
-            <a:spAutoFit/>
-          </a:bodyPr>
-          <a:lstStyle/>
-          <a:p>
-            <a:r>
-              <a:rPr lang="zh-CN" altLang="en-US" dirty="0">
-                <a:solidFill>
-                  <a:srgbClr val="24292E"/>
-                </a:solidFill>
-                <a:latin typeface="-apple-system"/>
-              </a:rPr>
-              <a:t>会生成如下的命令，这个命令用来加入从节点</a:t>
-            </a:r>
-            <a:endParaRPr lang="zh-CN" altLang="en-US" dirty="0"/>
-          </a:p>
-        </p:txBody>
-      </p:sp>
-      <p:sp>
-        <p:nvSpPr>
-          <p:cNvPr id="8" name="Rectangle 3">
-            <a:extLst>
-              <a:ext uri="{FF2B5EF4-FFF2-40B4-BE49-F238E27FC236}">
-                <a16:creationId xmlns:a16="http://schemas.microsoft.com/office/drawing/2014/main" id="{D505AF04-7F90-4E35-A812-EB48509A3133}"/>
-              </a:ext>
-            </a:extLst>
-          </p:cNvPr>
-          <p:cNvSpPr>
-            <a:spLocks noChangeArrowheads="1"/>
-          </p:cNvSpPr>
-          <p:nvPr/>
-        </p:nvSpPr>
-        <p:spPr bwMode="auto">
-          <a:xfrm>
-            <a:off x="956457" y="4894206"/>
-            <a:ext cx="9712171" cy="830997"/>
-          </a:xfrm>
-          <a:prstGeom prst="rect">
-            <a:avLst/>
-          </a:prstGeom>
-          <a:solidFill>
-            <a:schemeClr val="tx1"/>
-          </a:solidFill>
-          <a:ln>
-            <a:noFill/>
-          </a:ln>
-          <a:effectLst/>
-        </p:spPr>
-        <p:txBody>
-          <a:bodyPr vert="horz" wrap="square" lIns="0" tIns="0" rIns="0" bIns="0" numCol="1" anchor="ctr" anchorCtr="0" compatLnSpc="1">
-            <a:prstTxWarp prst="textNoShape">
-              <a:avLst/>
-            </a:prstTxWarp>
-            <a:spAutoFit/>
-          </a:bodyPr>
-          <a:lstStyle/>
-          <a:p>
-            <a:pPr lvl="0" eaLnBrk="0" fontAlgn="base" hangingPunct="0">
-              <a:spcBef>
-                <a:spcPct val="0"/>
-              </a:spcBef>
-              <a:spcAft>
-                <a:spcPct val="0"/>
-              </a:spcAft>
-            </a:pPr>
-            <a:r>
-              <a:rPr lang="en-US" altLang="zh-CN" dirty="0" err="1">
-                <a:solidFill>
-                  <a:srgbClr val="92D050"/>
-                </a:solidFill>
-                <a:latin typeface="+mn-ea"/>
-              </a:rPr>
-              <a:t>sudo</a:t>
-            </a:r>
-            <a:r>
-              <a:rPr lang="zh-CN" altLang="en-US" dirty="0">
-                <a:solidFill>
-                  <a:srgbClr val="92D050"/>
-                </a:solidFill>
-                <a:latin typeface="+mn-ea"/>
-              </a:rPr>
-              <a:t> </a:t>
-            </a:r>
-            <a:r>
-              <a:rPr kumimoji="0" lang="zh-CN" altLang="zh-CN" b="0" i="0" u="none" strike="noStrike" cap="none" normalizeH="0" baseline="0" dirty="0">
-                <a:ln>
-                  <a:noFill/>
-                </a:ln>
-                <a:solidFill>
-                  <a:srgbClr val="92D050"/>
-                </a:solidFill>
-                <a:effectLst/>
-                <a:latin typeface="+mn-ea"/>
-              </a:rPr>
-              <a:t>kubeadm join 192.168.252.54:6443 --token jetzdj.7ycrb79mihrlrggq --discovery-token-ca-cert-hash sha256:f8a25957a41d187587a46a0af43c9b715e7e2d903473a9d4e0cad5009a5031ba </a:t>
-            </a:r>
-            <a:r>
-              <a:rPr lang="zh-CN" altLang="zh-CN" dirty="0">
-                <a:solidFill>
-                  <a:srgbClr val="92D050"/>
-                </a:solidFill>
-                <a:latin typeface="+mn-ea"/>
-              </a:rPr>
-              <a:t>--ignore-preflight-errors=swap</a:t>
-            </a:r>
-            <a:r>
-              <a:rPr lang="zh-CN" altLang="zh-CN" sz="1600" dirty="0">
-                <a:solidFill>
-                  <a:srgbClr val="92D050"/>
-                </a:solidFill>
-                <a:latin typeface="+mn-ea"/>
-              </a:rPr>
-              <a:t> </a:t>
-            </a:r>
-            <a:endParaRPr kumimoji="0" lang="zh-CN" altLang="zh-CN" b="0" i="0" u="none" strike="noStrike" cap="none" normalizeH="0" baseline="0" dirty="0">
-              <a:ln>
-                <a:noFill/>
-              </a:ln>
-              <a:solidFill>
-                <a:srgbClr val="92D050"/>
-              </a:solidFill>
-              <a:effectLst/>
-              <a:latin typeface="+mn-ea"/>
-            </a:endParaRPr>
-          </a:p>
-        </p:txBody>
-      </p:sp>
-      <p:sp>
-        <p:nvSpPr>
-          <p:cNvPr id="11" name="矩形 10">
-            <a:extLst>
-              <a:ext uri="{FF2B5EF4-FFF2-40B4-BE49-F238E27FC236}">
-                <a16:creationId xmlns:a16="http://schemas.microsoft.com/office/drawing/2014/main" id="{E834FF48-E6F5-4C4F-9203-FC6410DF8971}"/>
-              </a:ext>
-            </a:extLst>
-          </p:cNvPr>
-          <p:cNvSpPr/>
-          <p:nvPr/>
-        </p:nvSpPr>
-        <p:spPr>
-          <a:xfrm>
-            <a:off x="956457" y="2473328"/>
-            <a:ext cx="6096000" cy="1754326"/>
-          </a:xfrm>
-          <a:prstGeom prst="rect">
-            <a:avLst/>
-          </a:prstGeom>
-        </p:spPr>
-        <p:style>
-          <a:lnRef idx="2">
-            <a:schemeClr val="accent1"/>
-          </a:lnRef>
-          <a:fillRef idx="1">
-            <a:schemeClr val="lt1"/>
-          </a:fillRef>
-          <a:effectRef idx="0">
-            <a:schemeClr val="accent1"/>
-          </a:effectRef>
-          <a:fontRef idx="minor">
-            <a:schemeClr val="dk1"/>
-          </a:fontRef>
-        </p:style>
-        <p:txBody>
-          <a:bodyPr>
-            <a:spAutoFit/>
-          </a:bodyPr>
-          <a:lstStyle/>
-          <a:p>
-            <a:r>
-              <a:rPr lang="en-US" altLang="zh-CN" sz="1200" dirty="0" err="1">
-                <a:solidFill>
-                  <a:srgbClr val="2B91AF"/>
-                </a:solidFill>
-                <a:latin typeface="+mn-ea"/>
-              </a:rPr>
-              <a:t>apiVersion</a:t>
-            </a:r>
-            <a:r>
-              <a:rPr lang="en-US" altLang="zh-CN" sz="1200" dirty="0">
-                <a:solidFill>
-                  <a:srgbClr val="2B91AF"/>
-                </a:solidFill>
-                <a:latin typeface="+mn-ea"/>
-              </a:rPr>
-              <a:t>:</a:t>
-            </a:r>
-            <a:r>
-              <a:rPr lang="en-US" altLang="zh-CN" sz="1200" dirty="0">
-                <a:solidFill>
-                  <a:srgbClr val="A31515"/>
-                </a:solidFill>
-                <a:latin typeface="+mn-ea"/>
-              </a:rPr>
-              <a:t> </a:t>
-            </a:r>
-            <a:r>
-              <a:rPr lang="en-US" altLang="zh-CN" sz="1200" dirty="0" err="1">
-                <a:solidFill>
-                  <a:srgbClr val="A31515"/>
-                </a:solidFill>
-                <a:latin typeface="+mn-ea"/>
-              </a:rPr>
-              <a:t>kubeadm.k8s.io</a:t>
-            </a:r>
-            <a:r>
-              <a:rPr lang="en-US" altLang="zh-CN" sz="1200" dirty="0">
-                <a:solidFill>
-                  <a:srgbClr val="A31515"/>
-                </a:solidFill>
-                <a:latin typeface="+mn-ea"/>
-              </a:rPr>
-              <a:t>/</a:t>
-            </a:r>
-            <a:r>
-              <a:rPr lang="en-US" altLang="zh-CN" sz="1200" dirty="0" err="1">
-                <a:solidFill>
-                  <a:srgbClr val="A31515"/>
-                </a:solidFill>
-                <a:latin typeface="+mn-ea"/>
-              </a:rPr>
-              <a:t>v1beta1</a:t>
-            </a:r>
-            <a:endParaRPr lang="en-US" altLang="zh-CN" sz="1200" dirty="0">
-              <a:solidFill>
-                <a:srgbClr val="A31515"/>
-              </a:solidFill>
-              <a:latin typeface="+mn-ea"/>
-            </a:endParaRPr>
-          </a:p>
-          <a:p>
-            <a:r>
-              <a:rPr lang="en-US" altLang="zh-CN" sz="1200" dirty="0">
-                <a:solidFill>
-                  <a:srgbClr val="2B91AF"/>
-                </a:solidFill>
-                <a:latin typeface="+mn-ea"/>
-              </a:rPr>
-              <a:t>kind:</a:t>
-            </a:r>
-            <a:r>
-              <a:rPr lang="en-US" altLang="zh-CN" sz="1200" dirty="0">
-                <a:solidFill>
-                  <a:srgbClr val="A31515"/>
-                </a:solidFill>
-                <a:latin typeface="+mn-ea"/>
-              </a:rPr>
-              <a:t> </a:t>
-            </a:r>
-            <a:r>
-              <a:rPr lang="en-US" altLang="zh-CN" sz="1200" dirty="0" err="1">
-                <a:solidFill>
-                  <a:srgbClr val="A31515"/>
-                </a:solidFill>
-                <a:latin typeface="+mn-ea"/>
-              </a:rPr>
-              <a:t>InitConfiguration</a:t>
-            </a:r>
-            <a:endParaRPr lang="en-US" altLang="zh-CN" sz="1200" dirty="0">
-              <a:solidFill>
-                <a:srgbClr val="A31515"/>
-              </a:solidFill>
-              <a:latin typeface="+mn-ea"/>
-            </a:endParaRPr>
-          </a:p>
-          <a:p>
-            <a:r>
-              <a:rPr lang="en-US" altLang="zh-CN" sz="1200" dirty="0" err="1">
-                <a:solidFill>
-                  <a:srgbClr val="2B91AF"/>
-                </a:solidFill>
-                <a:latin typeface="+mn-ea"/>
-              </a:rPr>
-              <a:t>controllerManagerExtraArgs</a:t>
-            </a:r>
-            <a:r>
-              <a:rPr lang="en-US" altLang="zh-CN" sz="1200" dirty="0">
-                <a:solidFill>
-                  <a:srgbClr val="2B91AF"/>
-                </a:solidFill>
-                <a:latin typeface="+mn-ea"/>
-              </a:rPr>
-              <a:t>:</a:t>
-            </a:r>
-            <a:endParaRPr lang="en-US" altLang="zh-CN" sz="1200" dirty="0">
-              <a:solidFill>
-                <a:srgbClr val="A31515"/>
-              </a:solidFill>
-              <a:latin typeface="+mn-ea"/>
-            </a:endParaRPr>
-          </a:p>
-          <a:p>
-            <a:r>
-              <a:rPr lang="en-US" altLang="zh-CN" sz="1200" dirty="0">
-                <a:solidFill>
-                  <a:srgbClr val="000000"/>
-                </a:solidFill>
-                <a:latin typeface="+mn-ea"/>
-              </a:rPr>
-              <a:t>  </a:t>
-            </a:r>
-            <a:r>
-              <a:rPr lang="en-US" altLang="zh-CN" sz="1200" dirty="0">
-                <a:solidFill>
-                  <a:srgbClr val="2B91AF"/>
-                </a:solidFill>
-                <a:latin typeface="+mn-ea"/>
-              </a:rPr>
-              <a:t>horizontal-pod-</a:t>
-            </a:r>
-            <a:r>
-              <a:rPr lang="en-US" altLang="zh-CN" sz="1200" dirty="0" err="1">
-                <a:solidFill>
-                  <a:srgbClr val="2B91AF"/>
-                </a:solidFill>
-                <a:latin typeface="+mn-ea"/>
-              </a:rPr>
-              <a:t>autoscaler</a:t>
-            </a:r>
-            <a:r>
-              <a:rPr lang="en-US" altLang="zh-CN" sz="1200" dirty="0">
-                <a:solidFill>
-                  <a:srgbClr val="2B91AF"/>
-                </a:solidFill>
-                <a:latin typeface="+mn-ea"/>
-              </a:rPr>
-              <a:t>-use-rest-clients</a:t>
-            </a:r>
-            <a:r>
-              <a:rPr lang="en-US" altLang="zh-CN" sz="1200" dirty="0">
-                <a:solidFill>
-                  <a:srgbClr val="800000"/>
-                </a:solidFill>
-                <a:latin typeface="+mn-ea"/>
-              </a:rPr>
-              <a:t>: </a:t>
-            </a:r>
-            <a:r>
-              <a:rPr lang="en-US" altLang="zh-CN" sz="1200" dirty="0">
-                <a:solidFill>
-                  <a:srgbClr val="A31515"/>
-                </a:solidFill>
-                <a:latin typeface="+mn-ea"/>
-              </a:rPr>
-              <a:t>"true"</a:t>
-            </a:r>
-            <a:endParaRPr lang="en-US" altLang="zh-CN" sz="1200" dirty="0">
-              <a:solidFill>
-                <a:srgbClr val="000000"/>
-              </a:solidFill>
-              <a:latin typeface="+mn-ea"/>
-            </a:endParaRPr>
-          </a:p>
-          <a:p>
-            <a:r>
-              <a:rPr lang="en-US" altLang="zh-CN" sz="1200" dirty="0">
-                <a:solidFill>
-                  <a:srgbClr val="000000"/>
-                </a:solidFill>
-                <a:latin typeface="+mn-ea"/>
-              </a:rPr>
-              <a:t>  </a:t>
-            </a:r>
-            <a:r>
-              <a:rPr lang="en-US" altLang="zh-CN" sz="1200" dirty="0">
-                <a:solidFill>
-                  <a:srgbClr val="2B91AF"/>
-                </a:solidFill>
-                <a:latin typeface="+mn-ea"/>
-              </a:rPr>
-              <a:t>horizontal-pod-</a:t>
-            </a:r>
-            <a:r>
-              <a:rPr lang="en-US" altLang="zh-CN" sz="1200" dirty="0" err="1">
-                <a:solidFill>
-                  <a:srgbClr val="2B91AF"/>
-                </a:solidFill>
-                <a:latin typeface="+mn-ea"/>
-              </a:rPr>
-              <a:t>autoscaler</a:t>
-            </a:r>
-            <a:r>
-              <a:rPr lang="en-US" altLang="zh-CN" sz="1200" dirty="0">
-                <a:solidFill>
-                  <a:srgbClr val="2B91AF"/>
-                </a:solidFill>
-                <a:latin typeface="+mn-ea"/>
-              </a:rPr>
-              <a:t>-sync-period</a:t>
-            </a:r>
-            <a:r>
-              <a:rPr lang="en-US" altLang="zh-CN" sz="1200" dirty="0">
-                <a:solidFill>
-                  <a:srgbClr val="800000"/>
-                </a:solidFill>
-                <a:latin typeface="+mn-ea"/>
-              </a:rPr>
-              <a:t>: </a:t>
-            </a:r>
-            <a:r>
-              <a:rPr lang="en-US" altLang="zh-CN" sz="1200" dirty="0">
-                <a:solidFill>
-                  <a:srgbClr val="A31515"/>
-                </a:solidFill>
-                <a:latin typeface="+mn-ea"/>
-              </a:rPr>
-              <a:t>"</a:t>
-            </a:r>
-            <a:r>
-              <a:rPr lang="en-US" altLang="zh-CN" sz="1200" dirty="0" err="1">
-                <a:solidFill>
-                  <a:srgbClr val="A31515"/>
-                </a:solidFill>
-                <a:latin typeface="+mn-ea"/>
-              </a:rPr>
-              <a:t>10s</a:t>
-            </a:r>
-            <a:r>
-              <a:rPr lang="en-US" altLang="zh-CN" sz="1200" dirty="0">
-                <a:solidFill>
-                  <a:srgbClr val="A31515"/>
-                </a:solidFill>
-                <a:latin typeface="+mn-ea"/>
-              </a:rPr>
-              <a:t>"</a:t>
-            </a:r>
-            <a:endParaRPr lang="en-US" altLang="zh-CN" sz="1200" dirty="0">
-              <a:solidFill>
-                <a:srgbClr val="000000"/>
-              </a:solidFill>
-              <a:latin typeface="+mn-ea"/>
-            </a:endParaRPr>
-          </a:p>
-          <a:p>
-            <a:r>
-              <a:rPr lang="en-US" altLang="zh-CN" sz="1200" dirty="0">
-                <a:solidFill>
-                  <a:srgbClr val="000000"/>
-                </a:solidFill>
-                <a:latin typeface="+mn-ea"/>
-              </a:rPr>
-              <a:t>  </a:t>
-            </a:r>
-            <a:r>
-              <a:rPr lang="en-US" altLang="zh-CN" sz="1200" dirty="0">
-                <a:solidFill>
-                  <a:srgbClr val="2B91AF"/>
-                </a:solidFill>
-                <a:latin typeface="+mn-ea"/>
-              </a:rPr>
-              <a:t>node-monitor-grace-period</a:t>
-            </a:r>
-            <a:r>
-              <a:rPr lang="en-US" altLang="zh-CN" sz="1200" dirty="0">
-                <a:solidFill>
-                  <a:srgbClr val="800000"/>
-                </a:solidFill>
-                <a:latin typeface="+mn-ea"/>
-              </a:rPr>
-              <a:t>: </a:t>
-            </a:r>
-            <a:r>
-              <a:rPr lang="en-US" altLang="zh-CN" sz="1200" dirty="0">
-                <a:solidFill>
-                  <a:srgbClr val="A31515"/>
-                </a:solidFill>
-                <a:latin typeface="+mn-ea"/>
-              </a:rPr>
-              <a:t>"</a:t>
-            </a:r>
-            <a:r>
-              <a:rPr lang="en-US" altLang="zh-CN" sz="1200" dirty="0" err="1">
-                <a:solidFill>
-                  <a:srgbClr val="A31515"/>
-                </a:solidFill>
-                <a:latin typeface="+mn-ea"/>
-              </a:rPr>
-              <a:t>10s</a:t>
-            </a:r>
-            <a:r>
-              <a:rPr lang="en-US" altLang="zh-CN" sz="1200" dirty="0">
-                <a:solidFill>
-                  <a:srgbClr val="A31515"/>
-                </a:solidFill>
-                <a:latin typeface="+mn-ea"/>
-              </a:rPr>
-              <a:t>"</a:t>
-            </a:r>
-            <a:endParaRPr lang="en-US" altLang="zh-CN" sz="1200" dirty="0">
-              <a:solidFill>
-                <a:srgbClr val="000000"/>
-              </a:solidFill>
-              <a:latin typeface="+mn-ea"/>
-            </a:endParaRPr>
-          </a:p>
-          <a:p>
-            <a:r>
-              <a:rPr lang="en-US" altLang="zh-CN" sz="1200" dirty="0" err="1">
-                <a:solidFill>
-                  <a:srgbClr val="2B91AF"/>
-                </a:solidFill>
-                <a:latin typeface="+mn-ea"/>
-              </a:rPr>
-              <a:t>apiServerExtraArgs</a:t>
-            </a:r>
-            <a:r>
-              <a:rPr lang="en-US" altLang="zh-CN" sz="1200" dirty="0">
-                <a:solidFill>
-                  <a:srgbClr val="2B91AF"/>
-                </a:solidFill>
-                <a:latin typeface="+mn-ea"/>
-              </a:rPr>
-              <a:t>:</a:t>
-            </a:r>
-            <a:endParaRPr lang="en-US" altLang="zh-CN" sz="1200" dirty="0">
-              <a:solidFill>
-                <a:srgbClr val="A31515"/>
-              </a:solidFill>
-              <a:latin typeface="+mn-ea"/>
-            </a:endParaRPr>
-          </a:p>
-          <a:p>
-            <a:r>
-              <a:rPr lang="en-US" altLang="zh-CN" sz="1200" dirty="0">
-                <a:solidFill>
-                  <a:srgbClr val="000000"/>
-                </a:solidFill>
-                <a:latin typeface="+mn-ea"/>
-              </a:rPr>
-              <a:t>  </a:t>
-            </a:r>
-            <a:r>
-              <a:rPr lang="en-US" altLang="zh-CN" sz="1200" dirty="0">
-                <a:solidFill>
-                  <a:srgbClr val="2B91AF"/>
-                </a:solidFill>
-                <a:latin typeface="+mn-ea"/>
-              </a:rPr>
-              <a:t>runtime-config</a:t>
-            </a:r>
-            <a:r>
-              <a:rPr lang="en-US" altLang="zh-CN" sz="1200" dirty="0">
-                <a:solidFill>
-                  <a:srgbClr val="800000"/>
-                </a:solidFill>
-                <a:latin typeface="+mn-ea"/>
-              </a:rPr>
-              <a:t>: </a:t>
-            </a:r>
-            <a:r>
-              <a:rPr lang="en-US" altLang="zh-CN" sz="1200" dirty="0">
-                <a:solidFill>
-                  <a:srgbClr val="A31515"/>
-                </a:solidFill>
-                <a:latin typeface="+mn-ea"/>
-              </a:rPr>
-              <a:t>"</a:t>
-            </a:r>
-            <a:r>
-              <a:rPr lang="en-US" altLang="zh-CN" sz="1200" dirty="0" err="1">
-                <a:solidFill>
-                  <a:srgbClr val="A31515"/>
-                </a:solidFill>
-                <a:latin typeface="+mn-ea"/>
-              </a:rPr>
-              <a:t>api</a:t>
-            </a:r>
-            <a:r>
-              <a:rPr lang="en-US" altLang="zh-CN" sz="1200" dirty="0">
-                <a:solidFill>
-                  <a:srgbClr val="A31515"/>
-                </a:solidFill>
-                <a:latin typeface="+mn-ea"/>
-              </a:rPr>
-              <a:t>/all=true"</a:t>
-            </a:r>
-            <a:endParaRPr lang="en-US" altLang="zh-CN" sz="1200" dirty="0">
-              <a:solidFill>
-                <a:srgbClr val="000000"/>
-              </a:solidFill>
-              <a:latin typeface="+mn-ea"/>
-            </a:endParaRPr>
-          </a:p>
-          <a:p>
-            <a:r>
-              <a:rPr lang="en-US" altLang="zh-CN" sz="1200" dirty="0" err="1">
-                <a:solidFill>
-                  <a:srgbClr val="2B91AF"/>
-                </a:solidFill>
-                <a:latin typeface="+mn-ea"/>
-              </a:rPr>
-              <a:t>kubernetesVersion</a:t>
-            </a:r>
-            <a:r>
-              <a:rPr lang="en-US" altLang="zh-CN" sz="1200" dirty="0">
-                <a:solidFill>
-                  <a:srgbClr val="2B91AF"/>
-                </a:solidFill>
-                <a:latin typeface="+mn-ea"/>
-              </a:rPr>
-              <a:t>:</a:t>
-            </a:r>
-            <a:r>
-              <a:rPr lang="en-US" altLang="zh-CN" sz="1200" dirty="0">
-                <a:solidFill>
-                  <a:srgbClr val="A31515"/>
-                </a:solidFill>
-                <a:latin typeface="+mn-ea"/>
-              </a:rPr>
-              <a:t> "</a:t>
-            </a:r>
-            <a:r>
-              <a:rPr lang="en-US" altLang="zh-CN" sz="1200" dirty="0" err="1">
-                <a:solidFill>
-                  <a:srgbClr val="A31515"/>
-                </a:solidFill>
-                <a:latin typeface="+mn-ea"/>
-              </a:rPr>
-              <a:t>v1.14</a:t>
-            </a:r>
-            <a:r>
-              <a:rPr lang="en-US" altLang="zh-CN" sz="1200" dirty="0">
-                <a:solidFill>
-                  <a:srgbClr val="A31515"/>
-                </a:solidFill>
-                <a:latin typeface="+mn-ea"/>
-              </a:rPr>
-              <a:t>"</a:t>
-            </a:r>
-          </a:p>
-        </p:txBody>
-      </p:sp>
-      <p:sp>
-        <p:nvSpPr>
-          <p:cNvPr id="12" name="矩形 11">
-            <a:extLst>
-              <a:ext uri="{FF2B5EF4-FFF2-40B4-BE49-F238E27FC236}">
-                <a16:creationId xmlns:a16="http://schemas.microsoft.com/office/drawing/2014/main" id="{4E5C34EA-7B4A-49CF-BFBD-726E18DB77E3}"/>
-              </a:ext>
-            </a:extLst>
-          </p:cNvPr>
-          <p:cNvSpPr/>
-          <p:nvPr/>
-        </p:nvSpPr>
-        <p:spPr>
-          <a:xfrm>
-            <a:off x="838200" y="2081600"/>
-            <a:ext cx="1559401" cy="369332"/>
-          </a:xfrm>
-          <a:prstGeom prst="rect">
-            <a:avLst/>
-          </a:prstGeom>
-        </p:spPr>
-        <p:txBody>
-          <a:bodyPr wrap="none">
-            <a:spAutoFit/>
-          </a:bodyPr>
-          <a:lstStyle/>
-          <a:p>
-            <a:r>
-              <a:rPr lang="en-US" altLang="zh-CN" dirty="0" err="1">
-                <a:solidFill>
-                  <a:srgbClr val="24292E"/>
-                </a:solidFill>
-                <a:latin typeface="-apple-system"/>
-              </a:rPr>
-              <a:t>kubeadm.yaml</a:t>
-            </a:r>
-            <a:endParaRPr lang="zh-CN" altLang="en-US" dirty="0"/>
-          </a:p>
-        </p:txBody>
-      </p:sp>
-    </p:spTree>
-    <p:extLst>
-      <p:ext uri="{BB962C8B-B14F-4D97-AF65-F5344CB8AC3E}">
-        <p14:creationId xmlns:p14="http://schemas.microsoft.com/office/powerpoint/2010/main" val="1539650993"/>
       </p:ext>
     </p:extLst>
   </p:cSld>
@@ -33230,7 +32864,15 @@
           <a:p>
             <a:r>
               <a:rPr lang="zh-CN" altLang="en-US" dirty="0"/>
-              <a:t>复制验证文件和安装网络插件</a:t>
+              <a:t>执行</a:t>
+            </a:r>
+            <a:r>
+              <a:rPr lang="en-US" altLang="zh-CN" dirty="0"/>
+              <a:t>master</a:t>
+            </a:r>
+            <a:r>
+              <a:rPr lang="zh-CN" altLang="en-US" dirty="0"/>
+              <a:t>初始化</a:t>
             </a:r>
           </a:p>
         </p:txBody>
@@ -33249,152 +32891,7 @@
         </p:nvSpPr>
         <p:spPr>
           <a:xfrm>
-            <a:off x="1337569" y="1891662"/>
-            <a:ext cx="9712170" cy="1200329"/>
-          </a:xfrm>
-          <a:prstGeom prst="rect">
-            <a:avLst/>
-          </a:prstGeom>
-          <a:solidFill>
-            <a:schemeClr val="tx1"/>
-          </a:solidFill>
-        </p:spPr>
-        <p:style>
-          <a:lnRef idx="2">
-            <a:schemeClr val="accent6"/>
-          </a:lnRef>
-          <a:fillRef idx="1">
-            <a:schemeClr val="lt1"/>
-          </a:fillRef>
-          <a:effectRef idx="0">
-            <a:schemeClr val="accent6"/>
-          </a:effectRef>
-          <a:fontRef idx="minor">
-            <a:schemeClr val="dk1"/>
-          </a:fontRef>
-        </p:style>
-        <p:txBody>
-          <a:bodyPr wrap="square">
-            <a:spAutoFit/>
-          </a:bodyPr>
-          <a:lstStyle/>
-          <a:p>
-            <a:pPr lvl="0" eaLnBrk="0" fontAlgn="base" hangingPunct="0">
-              <a:spcBef>
-                <a:spcPct val="0"/>
-              </a:spcBef>
-              <a:spcAft>
-                <a:spcPct val="0"/>
-              </a:spcAft>
-            </a:pPr>
-            <a:r>
-              <a:rPr lang="zh-CN" altLang="zh-CN" dirty="0">
-                <a:solidFill>
-                  <a:srgbClr val="92D050"/>
-                </a:solidFill>
-                <a:latin typeface="+mn-ea"/>
-              </a:rPr>
-              <a:t>sudo rm -rf $HOME/.kube </a:t>
-            </a:r>
-            <a:endParaRPr lang="en-US" altLang="zh-CN" dirty="0">
-              <a:solidFill>
-                <a:srgbClr val="92D050"/>
-              </a:solidFill>
-              <a:latin typeface="+mn-ea"/>
-            </a:endParaRPr>
-          </a:p>
-          <a:p>
-            <a:pPr lvl="0" eaLnBrk="0" fontAlgn="base" hangingPunct="0">
-              <a:spcBef>
-                <a:spcPct val="0"/>
-              </a:spcBef>
-              <a:spcAft>
-                <a:spcPct val="0"/>
-              </a:spcAft>
-            </a:pPr>
-            <a:r>
-              <a:rPr lang="zh-CN" altLang="zh-CN" dirty="0">
-                <a:solidFill>
-                  <a:srgbClr val="92D050"/>
-                </a:solidFill>
-                <a:latin typeface="+mn-ea"/>
-              </a:rPr>
-              <a:t>mkdir -p $HOME/.kube </a:t>
-            </a:r>
-            <a:endParaRPr lang="en-US" altLang="zh-CN" dirty="0">
-              <a:solidFill>
-                <a:srgbClr val="92D050"/>
-              </a:solidFill>
-              <a:latin typeface="+mn-ea"/>
-            </a:endParaRPr>
-          </a:p>
-          <a:p>
-            <a:pPr lvl="0" eaLnBrk="0" fontAlgn="base" hangingPunct="0">
-              <a:spcBef>
-                <a:spcPct val="0"/>
-              </a:spcBef>
-              <a:spcAft>
-                <a:spcPct val="0"/>
-              </a:spcAft>
-            </a:pPr>
-            <a:r>
-              <a:rPr lang="zh-CN" altLang="zh-CN" dirty="0">
-                <a:solidFill>
-                  <a:srgbClr val="92D050"/>
-                </a:solidFill>
-                <a:latin typeface="+mn-ea"/>
-              </a:rPr>
-              <a:t>sudo cp -i /etc/kubernetes/admin.conf $HOME/.kube/config </a:t>
-            </a:r>
-            <a:endParaRPr lang="en-US" altLang="zh-CN" dirty="0">
-              <a:solidFill>
-                <a:srgbClr val="92D050"/>
-              </a:solidFill>
-              <a:latin typeface="+mn-ea"/>
-            </a:endParaRPr>
-          </a:p>
-          <a:p>
-            <a:pPr lvl="0" eaLnBrk="0" fontAlgn="base" hangingPunct="0">
-              <a:spcBef>
-                <a:spcPct val="0"/>
-              </a:spcBef>
-              <a:spcAft>
-                <a:spcPct val="0"/>
-              </a:spcAft>
-            </a:pPr>
-            <a:r>
-              <a:rPr lang="zh-CN" altLang="zh-CN" dirty="0">
-                <a:solidFill>
-                  <a:srgbClr val="92D050"/>
-                </a:solidFill>
-                <a:latin typeface="+mn-ea"/>
-              </a:rPr>
-              <a:t>sudo chown $(id -u):$(id -g) $HOME/.kube/config </a:t>
-            </a:r>
-            <a:endParaRPr lang="zh-CN" altLang="zh-CN" sz="4400" dirty="0">
-              <a:solidFill>
-                <a:srgbClr val="92D050"/>
-              </a:solidFill>
-              <a:latin typeface="+mn-ea"/>
-            </a:endParaRPr>
-          </a:p>
-        </p:txBody>
-      </p:sp>
-      <p:sp>
-        <p:nvSpPr>
-          <p:cNvPr id="9" name="矩形 8">
-            <a:extLst>
-              <a:ext uri="{FF2B5EF4-FFF2-40B4-BE49-F238E27FC236}">
-                <a16:creationId xmlns:a16="http://schemas.microsoft.com/office/drawing/2014/main" id="{E0E1F1AF-982F-4295-BA54-0A9CEAB56BFF}"/>
-              </a:ext>
-            </a:extLst>
-          </p:cNvPr>
-          <p:cNvSpPr/>
-          <p:nvPr/>
-        </p:nvSpPr>
-        <p:spPr>
-          <a:xfrm>
-            <a:off x="1337569" y="4371534"/>
+            <a:off x="956457" y="1548526"/>
             <a:ext cx="9712170" cy="369332"/>
           </a:xfrm>
           <a:prstGeom prst="rect">
@@ -33439,7 +32936,7 @@
                 </a:solidFill>
                 <a:latin typeface="+mn-ea"/>
               </a:rPr>
-              <a:t>sudo kubectl apply -f https://git.io/weave-kube-1.6</a:t>
+              <a:t>sudo kubeadm init --config kubeadm.yaml --ignore-preflight-errors=swap</a:t>
             </a:r>
             <a:r>
               <a:rPr lang="zh-CN" altLang="zh-CN" sz="1600" dirty="0">
@@ -33461,10 +32958,10 @@
       </p:sp>
       <p:sp>
         <p:nvSpPr>
-          <p:cNvPr id="10" name="矩形 9">
+          <p:cNvPr id="7" name="矩形 6">
             <a:extLst>
               <a:ext uri="{FF2B5EF4-FFF2-40B4-BE49-F238E27FC236}">
-                <a16:creationId xmlns:a16="http://schemas.microsoft.com/office/drawing/2014/main" id="{74988FBE-2837-4BE5-81BF-20EDC4CB5319}"/>
+                <a16:creationId xmlns:a16="http://schemas.microsoft.com/office/drawing/2014/main" id="{1D95CBBC-3713-4F53-9E3E-1549B8C736DE}"/>
               </a:ext>
             </a:extLst>
           </p:cNvPr>
@@ -33473,8 +32970,8 @@
         </p:nvSpPr>
         <p:spPr>
           <a:xfrm>
-            <a:off x="1337569" y="3844498"/>
-            <a:ext cx="1569660" cy="369332"/>
+            <a:off x="956457" y="4524109"/>
+            <a:ext cx="4801314" cy="369332"/>
           </a:xfrm>
           <a:prstGeom prst="rect">
             <a:avLst/>
@@ -33493,7 +32990,660 @@
                 </a:solidFill>
                 <a:latin typeface="-apple-system"/>
               </a:rPr>
-              <a:t>安装网络插件</a:t>
+              <a:t>会生成如下的命令，这个命令用来加入从节点</a:t>
+            </a:r>
+            <a:endParaRPr lang="zh-CN" altLang="en-US" dirty="0"/>
+          </a:p>
+        </p:txBody>
+      </p:sp>
+      <p:sp>
+        <p:nvSpPr>
+          <p:cNvPr id="8" name="Rectangle 3">
+            <a:extLst>
+              <a:ext uri="{FF2B5EF4-FFF2-40B4-BE49-F238E27FC236}">
+                <a16:creationId xmlns:a16="http://schemas.microsoft.com/office/drawing/2014/main" id="{D505AF04-7F90-4E35-A812-EB48509A3133}"/>
+              </a:ext>
+            </a:extLst>
+          </p:cNvPr>
+          <p:cNvSpPr>
+            <a:spLocks noChangeArrowheads="1"/>
+          </p:cNvSpPr>
+          <p:nvPr/>
+        </p:nvSpPr>
+        <p:spPr bwMode="auto">
+          <a:xfrm>
+            <a:off x="956457" y="4894206"/>
+            <a:ext cx="9712171" cy="830997"/>
+          </a:xfrm>
+          <a:prstGeom prst="rect">
+            <a:avLst/>
+          </a:prstGeom>
+          <a:solidFill>
+            <a:schemeClr val="tx1"/>
+          </a:solidFill>
+          <a:ln>
+            <a:noFill/>
+          </a:ln>
+          <a:effectLst/>
+        </p:spPr>
+        <p:txBody>
+          <a:bodyPr vert="horz" wrap="square" lIns="0" tIns="0" rIns="0" bIns="0" numCol="1" anchor="ctr" anchorCtr="0" compatLnSpc="1">
+            <a:prstTxWarp prst="textNoShape">
+              <a:avLst/>
+            </a:prstTxWarp>
+            <a:spAutoFit/>
+          </a:bodyPr>
+          <a:lstStyle/>
+          <a:p>
+            <a:pPr lvl="0" eaLnBrk="0" fontAlgn="base" hangingPunct="0">
+              <a:spcBef>
+                <a:spcPct val="0"/>
+              </a:spcBef>
+              <a:spcAft>
+                <a:spcPct val="0"/>
+              </a:spcAft>
+            </a:pPr>
+            <a:r>
+              <a:rPr lang="en-US" altLang="zh-CN" dirty="0" err="1">
+                <a:solidFill>
+                  <a:srgbClr val="92D050"/>
+                </a:solidFill>
+                <a:latin typeface="+mn-ea"/>
+              </a:rPr>
+              <a:t>sudo</a:t>
+            </a:r>
+            <a:r>
+              <a:rPr lang="zh-CN" altLang="en-US" dirty="0">
+                <a:solidFill>
+                  <a:srgbClr val="92D050"/>
+                </a:solidFill>
+                <a:latin typeface="+mn-ea"/>
+              </a:rPr>
+              <a:t> </a:t>
+            </a:r>
+            <a:r>
+              <a:rPr kumimoji="0" lang="zh-CN" altLang="zh-CN" b="0" i="0" u="none" strike="noStrike" cap="none" normalizeH="0" baseline="0" dirty="0">
+                <a:ln>
+                  <a:noFill/>
+                </a:ln>
+                <a:solidFill>
+                  <a:srgbClr val="92D050"/>
+                </a:solidFill>
+                <a:effectLst/>
+                <a:latin typeface="+mn-ea"/>
+              </a:rPr>
+              <a:t>kubeadm join 192.168.252.54:6443 --token jetzdj.7ycrb79mihrlrggq --discovery-token-ca-cert-hash sha256:f8a25957a41d187587a46a0af43c9b715e7e2d903473a9d4e0cad5009a5031ba </a:t>
+            </a:r>
+            <a:r>
+              <a:rPr lang="zh-CN" altLang="zh-CN" dirty="0">
+                <a:solidFill>
+                  <a:srgbClr val="92D050"/>
+                </a:solidFill>
+                <a:latin typeface="+mn-ea"/>
+              </a:rPr>
+              <a:t>--ignore-preflight-errors=swap</a:t>
+            </a:r>
+            <a:r>
+              <a:rPr lang="zh-CN" altLang="zh-CN" sz="1600" dirty="0">
+                <a:solidFill>
+                  <a:srgbClr val="92D050"/>
+                </a:solidFill>
+                <a:latin typeface="+mn-ea"/>
+              </a:rPr>
+              <a:t> </a:t>
+            </a:r>
+            <a:endParaRPr kumimoji="0" lang="zh-CN" altLang="zh-CN" b="0" i="0" u="none" strike="noStrike" cap="none" normalizeH="0" baseline="0" dirty="0">
+              <a:ln>
+                <a:noFill/>
+              </a:ln>
+              <a:solidFill>
+                <a:srgbClr val="92D050"/>
+              </a:solidFill>
+              <a:effectLst/>
+              <a:latin typeface="+mn-ea"/>
+            </a:endParaRPr>
+          </a:p>
+        </p:txBody>
+      </p:sp>
+      <p:sp>
+        <p:nvSpPr>
+          <p:cNvPr id="11" name="矩形 10">
+            <a:extLst>
+              <a:ext uri="{FF2B5EF4-FFF2-40B4-BE49-F238E27FC236}">
+                <a16:creationId xmlns:a16="http://schemas.microsoft.com/office/drawing/2014/main" id="{E834FF48-E6F5-4C4F-9203-FC6410DF8971}"/>
+              </a:ext>
+            </a:extLst>
+          </p:cNvPr>
+          <p:cNvSpPr/>
+          <p:nvPr/>
+        </p:nvSpPr>
+        <p:spPr>
+          <a:xfrm>
+            <a:off x="956457" y="2473328"/>
+            <a:ext cx="6096000" cy="1754326"/>
+          </a:xfrm>
+          <a:prstGeom prst="rect">
+            <a:avLst/>
+          </a:prstGeom>
+        </p:spPr>
+        <p:style>
+          <a:lnRef idx="2">
+            <a:schemeClr val="accent1"/>
+          </a:lnRef>
+          <a:fillRef idx="1">
+            <a:schemeClr val="lt1"/>
+          </a:fillRef>
+          <a:effectRef idx="0">
+            <a:schemeClr val="accent1"/>
+          </a:effectRef>
+          <a:fontRef idx="minor">
+            <a:schemeClr val="dk1"/>
+          </a:fontRef>
+        </p:style>
+        <p:txBody>
+          <a:bodyPr>
+            <a:spAutoFit/>
+          </a:bodyPr>
+          <a:lstStyle/>
+          <a:p>
+            <a:r>
+              <a:rPr lang="en-US" altLang="zh-CN" sz="1200" dirty="0" err="1">
+                <a:solidFill>
+                  <a:srgbClr val="2B91AF"/>
+                </a:solidFill>
+                <a:latin typeface="+mn-ea"/>
+              </a:rPr>
+              <a:t>apiVersion</a:t>
+            </a:r>
+            <a:r>
+              <a:rPr lang="en-US" altLang="zh-CN" sz="1200" dirty="0">
+                <a:solidFill>
+                  <a:srgbClr val="2B91AF"/>
+                </a:solidFill>
+                <a:latin typeface="+mn-ea"/>
+              </a:rPr>
+              <a:t>:</a:t>
+            </a:r>
+            <a:r>
+              <a:rPr lang="en-US" altLang="zh-CN" sz="1200" dirty="0">
+                <a:solidFill>
+                  <a:srgbClr val="A31515"/>
+                </a:solidFill>
+                <a:latin typeface="+mn-ea"/>
+              </a:rPr>
+              <a:t> </a:t>
+            </a:r>
+            <a:r>
+              <a:rPr lang="en-US" altLang="zh-CN" sz="1200" dirty="0" err="1">
+                <a:solidFill>
+                  <a:srgbClr val="A31515"/>
+                </a:solidFill>
+                <a:latin typeface="+mn-ea"/>
+              </a:rPr>
+              <a:t>kubeadm.k8s.io</a:t>
+            </a:r>
+            <a:r>
+              <a:rPr lang="en-US" altLang="zh-CN" sz="1200" dirty="0">
+                <a:solidFill>
+                  <a:srgbClr val="A31515"/>
+                </a:solidFill>
+                <a:latin typeface="+mn-ea"/>
+              </a:rPr>
+              <a:t>/</a:t>
+            </a:r>
+            <a:r>
+              <a:rPr lang="en-US" altLang="zh-CN" sz="1200" dirty="0" err="1">
+                <a:solidFill>
+                  <a:srgbClr val="A31515"/>
+                </a:solidFill>
+                <a:latin typeface="+mn-ea"/>
+              </a:rPr>
+              <a:t>v1beta1</a:t>
+            </a:r>
+            <a:endParaRPr lang="en-US" altLang="zh-CN" sz="1200" dirty="0">
+              <a:solidFill>
+                <a:srgbClr val="A31515"/>
+              </a:solidFill>
+              <a:latin typeface="+mn-ea"/>
+            </a:endParaRPr>
+          </a:p>
+          <a:p>
+            <a:r>
+              <a:rPr lang="en-US" altLang="zh-CN" sz="1200" dirty="0">
+                <a:solidFill>
+                  <a:srgbClr val="2B91AF"/>
+                </a:solidFill>
+                <a:latin typeface="+mn-ea"/>
+              </a:rPr>
+              <a:t>kind:</a:t>
+            </a:r>
+            <a:r>
+              <a:rPr lang="en-US" altLang="zh-CN" sz="1200" dirty="0">
+                <a:solidFill>
+                  <a:srgbClr val="A31515"/>
+                </a:solidFill>
+                <a:latin typeface="+mn-ea"/>
+              </a:rPr>
+              <a:t> </a:t>
+            </a:r>
+            <a:r>
+              <a:rPr lang="en-US" altLang="zh-CN" sz="1200" dirty="0" err="1">
+                <a:solidFill>
+                  <a:srgbClr val="A31515"/>
+                </a:solidFill>
+                <a:latin typeface="+mn-ea"/>
+              </a:rPr>
+              <a:t>InitConfiguration</a:t>
+            </a:r>
+            <a:endParaRPr lang="en-US" altLang="zh-CN" sz="1200" dirty="0">
+              <a:solidFill>
+                <a:srgbClr val="A31515"/>
+              </a:solidFill>
+              <a:latin typeface="+mn-ea"/>
+            </a:endParaRPr>
+          </a:p>
+          <a:p>
+            <a:r>
+              <a:rPr lang="en-US" altLang="zh-CN" sz="1200" dirty="0" err="1">
+                <a:solidFill>
+                  <a:srgbClr val="2B91AF"/>
+                </a:solidFill>
+                <a:latin typeface="+mn-ea"/>
+              </a:rPr>
+              <a:t>controllerManagerExtraArgs</a:t>
+            </a:r>
+            <a:r>
+              <a:rPr lang="en-US" altLang="zh-CN" sz="1200" dirty="0">
+                <a:solidFill>
+                  <a:srgbClr val="2B91AF"/>
+                </a:solidFill>
+                <a:latin typeface="+mn-ea"/>
+              </a:rPr>
+              <a:t>:</a:t>
+            </a:r>
+            <a:endParaRPr lang="en-US" altLang="zh-CN" sz="1200" dirty="0">
+              <a:solidFill>
+                <a:srgbClr val="A31515"/>
+              </a:solidFill>
+              <a:latin typeface="+mn-ea"/>
+            </a:endParaRPr>
+          </a:p>
+          <a:p>
+            <a:r>
+              <a:rPr lang="en-US" altLang="zh-CN" sz="1200" dirty="0">
+                <a:solidFill>
+                  <a:srgbClr val="000000"/>
+                </a:solidFill>
+                <a:latin typeface="+mn-ea"/>
+              </a:rPr>
+              <a:t>  </a:t>
+            </a:r>
+            <a:r>
+              <a:rPr lang="en-US" altLang="zh-CN" sz="1200" dirty="0">
+                <a:solidFill>
+                  <a:srgbClr val="2B91AF"/>
+                </a:solidFill>
+                <a:latin typeface="+mn-ea"/>
+              </a:rPr>
+              <a:t>horizontal-pod-</a:t>
+            </a:r>
+            <a:r>
+              <a:rPr lang="en-US" altLang="zh-CN" sz="1200" dirty="0" err="1">
+                <a:solidFill>
+                  <a:srgbClr val="2B91AF"/>
+                </a:solidFill>
+                <a:latin typeface="+mn-ea"/>
+              </a:rPr>
+              <a:t>autoscaler</a:t>
+            </a:r>
+            <a:r>
+              <a:rPr lang="en-US" altLang="zh-CN" sz="1200" dirty="0">
+                <a:solidFill>
+                  <a:srgbClr val="2B91AF"/>
+                </a:solidFill>
+                <a:latin typeface="+mn-ea"/>
+              </a:rPr>
+              <a:t>-use-rest-clients</a:t>
+            </a:r>
+            <a:r>
+              <a:rPr lang="en-US" altLang="zh-CN" sz="1200" dirty="0">
+                <a:solidFill>
+                  <a:srgbClr val="800000"/>
+                </a:solidFill>
+                <a:latin typeface="+mn-ea"/>
+              </a:rPr>
+              <a:t>: </a:t>
+            </a:r>
+            <a:r>
+              <a:rPr lang="en-US" altLang="zh-CN" sz="1200" dirty="0">
+                <a:solidFill>
+                  <a:srgbClr val="A31515"/>
+                </a:solidFill>
+                <a:latin typeface="+mn-ea"/>
+              </a:rPr>
+              <a:t>"true"</a:t>
+            </a:r>
+            <a:endParaRPr lang="en-US" altLang="zh-CN" sz="1200" dirty="0">
+              <a:solidFill>
+                <a:srgbClr val="000000"/>
+              </a:solidFill>
+              <a:latin typeface="+mn-ea"/>
+            </a:endParaRPr>
+          </a:p>
+          <a:p>
+            <a:r>
+              <a:rPr lang="en-US" altLang="zh-CN" sz="1200" dirty="0">
+                <a:solidFill>
+                  <a:srgbClr val="000000"/>
+                </a:solidFill>
+                <a:latin typeface="+mn-ea"/>
+              </a:rPr>
+              <a:t>  </a:t>
+            </a:r>
+            <a:r>
+              <a:rPr lang="en-US" altLang="zh-CN" sz="1200" dirty="0">
+                <a:solidFill>
+                  <a:srgbClr val="2B91AF"/>
+                </a:solidFill>
+                <a:latin typeface="+mn-ea"/>
+              </a:rPr>
+              <a:t>horizontal-pod-</a:t>
+            </a:r>
+            <a:r>
+              <a:rPr lang="en-US" altLang="zh-CN" sz="1200" dirty="0" err="1">
+                <a:solidFill>
+                  <a:srgbClr val="2B91AF"/>
+                </a:solidFill>
+                <a:latin typeface="+mn-ea"/>
+              </a:rPr>
+              <a:t>autoscaler</a:t>
+            </a:r>
+            <a:r>
+              <a:rPr lang="en-US" altLang="zh-CN" sz="1200" dirty="0">
+                <a:solidFill>
+                  <a:srgbClr val="2B91AF"/>
+                </a:solidFill>
+                <a:latin typeface="+mn-ea"/>
+              </a:rPr>
+              <a:t>-sync-period</a:t>
+            </a:r>
+            <a:r>
+              <a:rPr lang="en-US" altLang="zh-CN" sz="1200" dirty="0">
+                <a:solidFill>
+                  <a:srgbClr val="800000"/>
+                </a:solidFill>
+                <a:latin typeface="+mn-ea"/>
+              </a:rPr>
+              <a:t>: </a:t>
+            </a:r>
+            <a:r>
+              <a:rPr lang="en-US" altLang="zh-CN" sz="1200" dirty="0">
+                <a:solidFill>
+                  <a:srgbClr val="A31515"/>
+                </a:solidFill>
+                <a:latin typeface="+mn-ea"/>
+              </a:rPr>
+              <a:t>"</a:t>
+            </a:r>
+            <a:r>
+              <a:rPr lang="en-US" altLang="zh-CN" sz="1200" dirty="0" err="1">
+                <a:solidFill>
+                  <a:srgbClr val="A31515"/>
+                </a:solidFill>
+                <a:latin typeface="+mn-ea"/>
+              </a:rPr>
+              <a:t>10s</a:t>
+            </a:r>
+            <a:r>
+              <a:rPr lang="en-US" altLang="zh-CN" sz="1200" dirty="0">
+                <a:solidFill>
+                  <a:srgbClr val="A31515"/>
+                </a:solidFill>
+                <a:latin typeface="+mn-ea"/>
+              </a:rPr>
+              <a:t>"</a:t>
+            </a:r>
+            <a:endParaRPr lang="en-US" altLang="zh-CN" sz="1200" dirty="0">
+              <a:solidFill>
+                <a:srgbClr val="000000"/>
+              </a:solidFill>
+              <a:latin typeface="+mn-ea"/>
+            </a:endParaRPr>
+          </a:p>
+          <a:p>
+            <a:r>
+              <a:rPr lang="en-US" altLang="zh-CN" sz="1200" dirty="0">
+                <a:solidFill>
+                  <a:srgbClr val="000000"/>
+                </a:solidFill>
+                <a:latin typeface="+mn-ea"/>
+              </a:rPr>
+              <a:t>  </a:t>
+            </a:r>
+            <a:r>
+              <a:rPr lang="en-US" altLang="zh-CN" sz="1200" dirty="0">
+                <a:solidFill>
+                  <a:srgbClr val="2B91AF"/>
+                </a:solidFill>
+                <a:latin typeface="+mn-ea"/>
+              </a:rPr>
+              <a:t>node-monitor-grace-period</a:t>
+            </a:r>
+            <a:r>
+              <a:rPr lang="en-US" altLang="zh-CN" sz="1200" dirty="0">
+                <a:solidFill>
+                  <a:srgbClr val="800000"/>
+                </a:solidFill>
+                <a:latin typeface="+mn-ea"/>
+              </a:rPr>
+              <a:t>: </a:t>
+            </a:r>
+            <a:r>
+              <a:rPr lang="en-US" altLang="zh-CN" sz="1200" dirty="0">
+                <a:solidFill>
+                  <a:srgbClr val="A31515"/>
+                </a:solidFill>
+                <a:latin typeface="+mn-ea"/>
+              </a:rPr>
+              <a:t>"</a:t>
+            </a:r>
+            <a:r>
+              <a:rPr lang="en-US" altLang="zh-CN" sz="1200" dirty="0" err="1">
+                <a:solidFill>
+                  <a:srgbClr val="A31515"/>
+                </a:solidFill>
+                <a:latin typeface="+mn-ea"/>
+              </a:rPr>
+              <a:t>10s</a:t>
+            </a:r>
+            <a:r>
+              <a:rPr lang="en-US" altLang="zh-CN" sz="1200" dirty="0">
+                <a:solidFill>
+                  <a:srgbClr val="A31515"/>
+                </a:solidFill>
+                <a:latin typeface="+mn-ea"/>
+              </a:rPr>
+              <a:t>"</a:t>
+            </a:r>
+            <a:endParaRPr lang="en-US" altLang="zh-CN" sz="1200" dirty="0">
+              <a:solidFill>
+                <a:srgbClr val="000000"/>
+              </a:solidFill>
+              <a:latin typeface="+mn-ea"/>
+            </a:endParaRPr>
+          </a:p>
+          <a:p>
+            <a:r>
+              <a:rPr lang="en-US" altLang="zh-CN" sz="1200" dirty="0" err="1">
+                <a:solidFill>
+                  <a:srgbClr val="2B91AF"/>
+                </a:solidFill>
+                <a:latin typeface="+mn-ea"/>
+              </a:rPr>
+              <a:t>apiServerExtraArgs</a:t>
+            </a:r>
+            <a:r>
+              <a:rPr lang="en-US" altLang="zh-CN" sz="1200" dirty="0">
+                <a:solidFill>
+                  <a:srgbClr val="2B91AF"/>
+                </a:solidFill>
+                <a:latin typeface="+mn-ea"/>
+              </a:rPr>
+              <a:t>:</a:t>
+            </a:r>
+            <a:endParaRPr lang="en-US" altLang="zh-CN" sz="1200" dirty="0">
+              <a:solidFill>
+                <a:srgbClr val="A31515"/>
+              </a:solidFill>
+              <a:latin typeface="+mn-ea"/>
+            </a:endParaRPr>
+          </a:p>
+          <a:p>
+            <a:r>
+              <a:rPr lang="en-US" altLang="zh-CN" sz="1200" dirty="0">
+                <a:solidFill>
+                  <a:srgbClr val="000000"/>
+                </a:solidFill>
+                <a:latin typeface="+mn-ea"/>
+              </a:rPr>
+              <a:t>  </a:t>
+            </a:r>
+            <a:r>
+              <a:rPr lang="en-US" altLang="zh-CN" sz="1200" dirty="0">
+                <a:solidFill>
+                  <a:srgbClr val="2B91AF"/>
+                </a:solidFill>
+                <a:latin typeface="+mn-ea"/>
+              </a:rPr>
+              <a:t>runtime-config</a:t>
+            </a:r>
+            <a:r>
+              <a:rPr lang="en-US" altLang="zh-CN" sz="1200" dirty="0">
+                <a:solidFill>
+                  <a:srgbClr val="800000"/>
+                </a:solidFill>
+                <a:latin typeface="+mn-ea"/>
+              </a:rPr>
+              <a:t>: </a:t>
+            </a:r>
+            <a:r>
+              <a:rPr lang="en-US" altLang="zh-CN" sz="1200" dirty="0">
+                <a:solidFill>
+                  <a:srgbClr val="A31515"/>
+                </a:solidFill>
+                <a:latin typeface="+mn-ea"/>
+              </a:rPr>
+              <a:t>"</a:t>
+            </a:r>
+            <a:r>
+              <a:rPr lang="en-US" altLang="zh-CN" sz="1200" dirty="0" err="1">
+                <a:solidFill>
+                  <a:srgbClr val="A31515"/>
+                </a:solidFill>
+                <a:latin typeface="+mn-ea"/>
+              </a:rPr>
+              <a:t>api</a:t>
+            </a:r>
+            <a:r>
+              <a:rPr lang="en-US" altLang="zh-CN" sz="1200" dirty="0">
+                <a:solidFill>
+                  <a:srgbClr val="A31515"/>
+                </a:solidFill>
+                <a:latin typeface="+mn-ea"/>
+              </a:rPr>
+              <a:t>/all=true"</a:t>
+            </a:r>
+            <a:endParaRPr lang="en-US" altLang="zh-CN" sz="1200" dirty="0">
+              <a:solidFill>
+                <a:srgbClr val="000000"/>
+              </a:solidFill>
+              <a:latin typeface="+mn-ea"/>
+            </a:endParaRPr>
+          </a:p>
+          <a:p>
+            <a:r>
+              <a:rPr lang="en-US" altLang="zh-CN" sz="1200" dirty="0" err="1">
+                <a:solidFill>
+                  <a:srgbClr val="2B91AF"/>
+                </a:solidFill>
+                <a:latin typeface="+mn-ea"/>
+              </a:rPr>
+              <a:t>kubernetesVersion</a:t>
+            </a:r>
+            <a:r>
+              <a:rPr lang="en-US" altLang="zh-CN" sz="1200" dirty="0">
+                <a:solidFill>
+                  <a:srgbClr val="2B91AF"/>
+                </a:solidFill>
+                <a:latin typeface="+mn-ea"/>
+              </a:rPr>
+              <a:t>:</a:t>
+            </a:r>
+            <a:r>
+              <a:rPr lang="en-US" altLang="zh-CN" sz="1200" dirty="0">
+                <a:solidFill>
+                  <a:srgbClr val="A31515"/>
+                </a:solidFill>
+                <a:latin typeface="+mn-ea"/>
+              </a:rPr>
+              <a:t> "</a:t>
+            </a:r>
+            <a:r>
+              <a:rPr lang="en-US" altLang="zh-CN" sz="1200" dirty="0" err="1">
+                <a:solidFill>
+                  <a:srgbClr val="A31515"/>
+                </a:solidFill>
+                <a:latin typeface="+mn-ea"/>
+              </a:rPr>
+              <a:t>v1.14</a:t>
+            </a:r>
+            <a:r>
+              <a:rPr lang="en-US" altLang="zh-CN" sz="1200" dirty="0">
+                <a:solidFill>
+                  <a:srgbClr val="A31515"/>
+                </a:solidFill>
+                <a:latin typeface="+mn-ea"/>
+              </a:rPr>
+              <a:t>"</a:t>
+            </a:r>
+          </a:p>
+        </p:txBody>
+      </p:sp>
+      <p:sp>
+        <p:nvSpPr>
+          <p:cNvPr id="12" name="矩形 11">
+            <a:extLst>
+              <a:ext uri="{FF2B5EF4-FFF2-40B4-BE49-F238E27FC236}">
+                <a16:creationId xmlns:a16="http://schemas.microsoft.com/office/drawing/2014/main" id="{4E5C34EA-7B4A-49CF-BFBD-726E18DB77E3}"/>
+              </a:ext>
+            </a:extLst>
+          </p:cNvPr>
+          <p:cNvSpPr/>
+          <p:nvPr/>
+        </p:nvSpPr>
+        <p:spPr>
+          <a:xfrm>
+            <a:off x="838200" y="2081600"/>
+            <a:ext cx="1559401" cy="369332"/>
+          </a:xfrm>
+          <a:prstGeom prst="rect">
+            <a:avLst/>
+          </a:prstGeom>
+        </p:spPr>
+        <p:txBody>
+          <a:bodyPr wrap="none">
+            <a:spAutoFit/>
+          </a:bodyPr>
+          <a:lstStyle/>
+          <a:p>
+            <a:r>
+              <a:rPr lang="en-US" altLang="zh-CN" dirty="0" err="1">
+                <a:solidFill>
+                  <a:srgbClr val="24292E"/>
+                </a:solidFill>
+                <a:latin typeface="-apple-system"/>
+              </a:rPr>
+              <a:t>kubeadm.yaml</a:t>
             </a:r>
             <a:endParaRPr lang="zh-CN" altLang="en-US" dirty="0"/>
           </a:p>
@@ -33502,7 +33652,7 @@
     </p:spTree>
     <p:extLst>
       <p:ext uri="{BB962C8B-B14F-4D97-AF65-F5344CB8AC3E}">
-        <p14:creationId xmlns:p14="http://schemas.microsoft.com/office/powerpoint/2010/main" val="2284601149"/>
+        <p14:creationId xmlns:p14="http://schemas.microsoft.com/office/powerpoint/2010/main" val="1539650993"/>
       </p:ext>
     </p:extLst>
   </p:cSld>
@@ -33552,6 +33702,328 @@
           <a:p>
             <a:r>
               <a:rPr lang="zh-CN" altLang="en-US" dirty="0"/>
+              <a:t>复制验证文件和安装网络插件</a:t>
+            </a:r>
+          </a:p>
+        </p:txBody>
+      </p:sp>
+      <p:sp>
+        <p:nvSpPr>
+          <p:cNvPr id="5" name="矩形 4">
+            <a:extLst>
+              <a:ext uri="{FF2B5EF4-FFF2-40B4-BE49-F238E27FC236}">
+                <a16:creationId xmlns:a16="http://schemas.microsoft.com/office/drawing/2014/main" id="{2B695B11-EA8B-42E1-959C-880614D8BAA3}"/>
+              </a:ext>
+            </a:extLst>
+          </p:cNvPr>
+          <p:cNvSpPr/>
+          <p:nvPr/>
+        </p:nvSpPr>
+        <p:spPr>
+          <a:xfrm>
+            <a:off x="1337569" y="1891662"/>
+            <a:ext cx="9712170" cy="1200329"/>
+          </a:xfrm>
+          <a:prstGeom prst="rect">
+            <a:avLst/>
+          </a:prstGeom>
+          <a:solidFill>
+            <a:schemeClr val="tx1"/>
+          </a:solidFill>
+        </p:spPr>
+        <p:style>
+          <a:lnRef idx="2">
+            <a:schemeClr val="accent6"/>
+          </a:lnRef>
+          <a:fillRef idx="1">
+            <a:schemeClr val="lt1"/>
+          </a:fillRef>
+          <a:effectRef idx="0">
+            <a:schemeClr val="accent6"/>
+          </a:effectRef>
+          <a:fontRef idx="minor">
+            <a:schemeClr val="dk1"/>
+          </a:fontRef>
+        </p:style>
+        <p:txBody>
+          <a:bodyPr wrap="square">
+            <a:spAutoFit/>
+          </a:bodyPr>
+          <a:lstStyle/>
+          <a:p>
+            <a:pPr lvl="0" eaLnBrk="0" fontAlgn="base" hangingPunct="0">
+              <a:spcBef>
+                <a:spcPct val="0"/>
+              </a:spcBef>
+              <a:spcAft>
+                <a:spcPct val="0"/>
+              </a:spcAft>
+            </a:pPr>
+            <a:r>
+              <a:rPr lang="zh-CN" altLang="zh-CN" dirty="0">
+                <a:solidFill>
+                  <a:srgbClr val="92D050"/>
+                </a:solidFill>
+                <a:latin typeface="+mn-ea"/>
+              </a:rPr>
+              <a:t>sudo rm -rf $HOME/.kube </a:t>
+            </a:r>
+            <a:endParaRPr lang="en-US" altLang="zh-CN" dirty="0">
+              <a:solidFill>
+                <a:srgbClr val="92D050"/>
+              </a:solidFill>
+              <a:latin typeface="+mn-ea"/>
+            </a:endParaRPr>
+          </a:p>
+          <a:p>
+            <a:pPr lvl="0" eaLnBrk="0" fontAlgn="base" hangingPunct="0">
+              <a:spcBef>
+                <a:spcPct val="0"/>
+              </a:spcBef>
+              <a:spcAft>
+                <a:spcPct val="0"/>
+              </a:spcAft>
+            </a:pPr>
+            <a:r>
+              <a:rPr lang="zh-CN" altLang="zh-CN" dirty="0">
+                <a:solidFill>
+                  <a:srgbClr val="92D050"/>
+                </a:solidFill>
+                <a:latin typeface="+mn-ea"/>
+              </a:rPr>
+              <a:t>mkdir -p $HOME/.kube </a:t>
+            </a:r>
+            <a:endParaRPr lang="en-US" altLang="zh-CN" dirty="0">
+              <a:solidFill>
+                <a:srgbClr val="92D050"/>
+              </a:solidFill>
+              <a:latin typeface="+mn-ea"/>
+            </a:endParaRPr>
+          </a:p>
+          <a:p>
+            <a:pPr lvl="0" eaLnBrk="0" fontAlgn="base" hangingPunct="0">
+              <a:spcBef>
+                <a:spcPct val="0"/>
+              </a:spcBef>
+              <a:spcAft>
+                <a:spcPct val="0"/>
+              </a:spcAft>
+            </a:pPr>
+            <a:r>
+              <a:rPr lang="zh-CN" altLang="zh-CN" dirty="0">
+                <a:solidFill>
+                  <a:srgbClr val="92D050"/>
+                </a:solidFill>
+                <a:latin typeface="+mn-ea"/>
+              </a:rPr>
+              <a:t>sudo cp -i /etc/kubernetes/admin.conf $HOME/.kube/config </a:t>
+            </a:r>
+            <a:endParaRPr lang="en-US" altLang="zh-CN" dirty="0">
+              <a:solidFill>
+                <a:srgbClr val="92D050"/>
+              </a:solidFill>
+              <a:latin typeface="+mn-ea"/>
+            </a:endParaRPr>
+          </a:p>
+          <a:p>
+            <a:pPr lvl="0" eaLnBrk="0" fontAlgn="base" hangingPunct="0">
+              <a:spcBef>
+                <a:spcPct val="0"/>
+              </a:spcBef>
+              <a:spcAft>
+                <a:spcPct val="0"/>
+              </a:spcAft>
+            </a:pPr>
+            <a:r>
+              <a:rPr lang="zh-CN" altLang="zh-CN" dirty="0">
+                <a:solidFill>
+                  <a:srgbClr val="92D050"/>
+                </a:solidFill>
+                <a:latin typeface="+mn-ea"/>
+              </a:rPr>
+              <a:t>sudo chown $(id -u):$(id -g) $HOME/.kube/config </a:t>
+            </a:r>
+            <a:endParaRPr lang="zh-CN" altLang="zh-CN" sz="4400" dirty="0">
+              <a:solidFill>
+                <a:srgbClr val="92D050"/>
+              </a:solidFill>
+              <a:latin typeface="+mn-ea"/>
+            </a:endParaRPr>
+          </a:p>
+        </p:txBody>
+      </p:sp>
+      <p:sp>
+        <p:nvSpPr>
+          <p:cNvPr id="9" name="矩形 8">
+            <a:extLst>
+              <a:ext uri="{FF2B5EF4-FFF2-40B4-BE49-F238E27FC236}">
+                <a16:creationId xmlns:a16="http://schemas.microsoft.com/office/drawing/2014/main" id="{E0E1F1AF-982F-4295-BA54-0A9CEAB56BFF}"/>
+              </a:ext>
+            </a:extLst>
+          </p:cNvPr>
+          <p:cNvSpPr/>
+          <p:nvPr/>
+        </p:nvSpPr>
+        <p:spPr>
+          <a:xfrm>
+            <a:off x="1337569" y="4371534"/>
+            <a:ext cx="9712170" cy="369332"/>
+          </a:xfrm>
+          <a:prstGeom prst="rect">
+            <a:avLst/>
+          </a:prstGeom>
+          <a:solidFill>
+            <a:schemeClr val="tx1"/>
+          </a:solidFill>
+        </p:spPr>
+        <p:style>
+          <a:lnRef idx="2">
+            <a:schemeClr val="accent6"/>
+          </a:lnRef>
+          <a:fillRef idx="1">
+            <a:schemeClr val="lt1"/>
+          </a:fillRef>
+          <a:effectRef idx="0">
+            <a:schemeClr val="accent6"/>
+          </a:effectRef>
+          <a:fontRef idx="minor">
+            <a:schemeClr val="dk1"/>
+          </a:fontRef>
+        </p:style>
+        <p:txBody>
+          <a:bodyPr wrap="square">
+            <a:spAutoFit/>
+          </a:bodyPr>
+          <a:lstStyle/>
+          <a:p>
+            <a:pPr lvl="0" eaLnBrk="0" fontAlgn="base" hangingPunct="0">
+              <a:spcBef>
+                <a:spcPct val="0"/>
+              </a:spcBef>
+              <a:spcAft>
+                <a:spcPct val="0"/>
+              </a:spcAft>
+            </a:pPr>
+            <a:r>
+              <a:rPr lang="zh-CN" altLang="zh-CN" dirty="0">
+                <a:solidFill>
+                  <a:srgbClr val="92D050"/>
+                </a:solidFill>
+                <a:latin typeface="+mn-ea"/>
+              </a:rPr>
+              <a:t>sudo kubectl apply -f https://git.io/weave-kube-1.6</a:t>
+            </a:r>
+            <a:r>
+              <a:rPr lang="zh-CN" altLang="zh-CN" sz="1600" dirty="0">
+                <a:solidFill>
+                  <a:srgbClr val="92D050"/>
+                </a:solidFill>
+                <a:latin typeface="+mn-ea"/>
+              </a:rPr>
+              <a:t> </a:t>
+            </a:r>
+            <a:endParaRPr lang="zh-CN" altLang="zh-CN" sz="4400" dirty="0">
+              <a:solidFill>
+                <a:srgbClr val="92D050"/>
+              </a:solidFill>
+              <a:latin typeface="+mn-ea"/>
+            </a:endParaRPr>
+          </a:p>
+        </p:txBody>
+      </p:sp>
+      <p:sp>
+        <p:nvSpPr>
+          <p:cNvPr id="10" name="矩形 9">
+            <a:extLst>
+              <a:ext uri="{FF2B5EF4-FFF2-40B4-BE49-F238E27FC236}">
+                <a16:creationId xmlns:a16="http://schemas.microsoft.com/office/drawing/2014/main" id="{74988FBE-2837-4BE5-81BF-20EDC4CB5319}"/>
+              </a:ext>
+            </a:extLst>
+          </p:cNvPr>
+          <p:cNvSpPr/>
+          <p:nvPr/>
+        </p:nvSpPr>
+        <p:spPr>
+          <a:xfrm>
+            <a:off x="1337569" y="3844498"/>
+            <a:ext cx="1569660" cy="369332"/>
+          </a:xfrm>
+          <a:prstGeom prst="rect">
+            <a:avLst/>
+          </a:prstGeom>
+        </p:spPr>
+        <p:txBody>
+          <a:bodyPr wrap="none">
+            <a:spAutoFit/>
+          </a:bodyPr>
+          <a:lstStyle/>
+          <a:p>
+            <a:r>
+              <a:rPr lang="zh-CN" altLang="en-US" dirty="0">
+                <a:solidFill>
+                  <a:srgbClr val="24292E"/>
+                </a:solidFill>
+                <a:latin typeface="-apple-system"/>
+              </a:rPr>
+              <a:t>安装网络插件</a:t>
+            </a:r>
+            <a:endParaRPr lang="zh-CN" altLang="en-US" dirty="0"/>
+          </a:p>
+        </p:txBody>
+      </p:sp>
+    </p:spTree>
+    <p:extLst>
+      <p:ext uri="{BB962C8B-B14F-4D97-AF65-F5344CB8AC3E}">
+        <p14:creationId xmlns:p14="http://schemas.microsoft.com/office/powerpoint/2010/main" val="2284601149"/>
+      </p:ext>
+    </p:extLst>
+  </p:cSld>
+  <p:clrMapOvr>
+    <a:masterClrMapping/>
+  </p:clrMapOvr>
+</p:sld>
+</file>
+
+<file path=ppt/slides/slide57.xml><?xml version="1.0" encoding="utf-8"?>
+<p:sld xmlns:a="http://schemas.openxmlformats.org/drawingml/2006/main" xmlns:r="http://schemas.openxmlformats.org/officeDocument/2006/relationships" xmlns:p="http://schemas.openxmlformats.org/presentationml/2006/main">
+  <p:cSld>
+    <p:spTree>
+      <p:nvGrpSpPr>
+        <p:cNvPr id="1" name=""/>
+        <p:cNvGrpSpPr/>
+        <p:nvPr/>
+      </p:nvGrpSpPr>
+      <p:grpSpPr>
+        <a:xfrm>
+          <a:off x="0" y="0"/>
+          <a:ext cx="0" cy="0"/>
+          <a:chOff x="0" y="0"/>
+          <a:chExt cx="0" cy="0"/>
+        </a:xfrm>
+      </p:grpSpPr>
+      <p:sp>
+        <p:nvSpPr>
+          <p:cNvPr id="2" name="标题 1">
+            <a:extLst>
+              <a:ext uri="{FF2B5EF4-FFF2-40B4-BE49-F238E27FC236}">
+                <a16:creationId xmlns:a16="http://schemas.microsoft.com/office/drawing/2014/main" id="{F862FC22-B807-4FD9-8F7C-93EA3EC63330}"/>
+              </a:ext>
+            </a:extLst>
+          </p:cNvPr>
+          <p:cNvSpPr>
+            <a:spLocks noGrp="1"/>
+          </p:cNvSpPr>
+          <p:nvPr>
+            <p:ph type="title"/>
+          </p:nvPr>
+        </p:nvSpPr>
+        <p:spPr/>
+        <p:txBody>
+          <a:bodyPr/>
+          <a:lstStyle/>
+          <a:p>
+            <a:r>
+              <a:rPr lang="zh-CN" altLang="en-US" dirty="0"/>
               <a:t>安装</a:t>
             </a:r>
             <a:r>
@@ -34593,7 +35065,7 @@
 </p:sld>
 </file>
 
-<file path=ppt/slides/slide57.xml><?xml version="1.0" encoding="utf-8"?>
+<file path=ppt/slides/slide58.xml><?xml version="1.0" encoding="utf-8"?>
 <p:sld xmlns:a="http://schemas.openxmlformats.org/drawingml/2006/main" xmlns:r="http://schemas.openxmlformats.org/officeDocument/2006/relationships" xmlns:p="http://schemas.openxmlformats.org/presentationml/2006/main">
   <p:cSld>
     <p:spTree>
@@ -35161,7 +35633,7 @@
 </p:sld>
 </file>
 
-<file path=ppt/slides/slide58.xml><?xml version="1.0" encoding="utf-8"?>
+<file path=ppt/slides/slide59.xml><?xml version="1.0" encoding="utf-8"?>
 <p:sld xmlns:a="http://schemas.openxmlformats.org/drawingml/2006/main" xmlns:r="http://schemas.openxmlformats.org/officeDocument/2006/relationships" xmlns:p="http://schemas.openxmlformats.org/presentationml/2006/main">
   <p:cSld>
     <p:spTree>
@@ -35797,303 +36269,6 @@
     <p:extLst>
       <p:ext uri="{BB962C8B-B14F-4D97-AF65-F5344CB8AC3E}">
         <p14:creationId xmlns:p14="http://schemas.microsoft.com/office/powerpoint/2010/main" val="1095286935"/>
-      </p:ext>
-    </p:extLst>
-  </p:cSld>
-  <p:clrMapOvr>
-    <a:masterClrMapping/>
-  </p:clrMapOvr>
-</p:sld>
-</file>
-
-<file path=ppt/slides/slide59.xml><?xml version="1.0" encoding="utf-8"?>
-<p:sld xmlns:a="http://schemas.openxmlformats.org/drawingml/2006/main" xmlns:r="http://schemas.openxmlformats.org/officeDocument/2006/relationships" xmlns:p="http://schemas.openxmlformats.org/presentationml/2006/main">
-  <p:cSld>
-    <p:spTree>
-      <p:nvGrpSpPr>
-        <p:cNvPr id="1" name=""/>
-        <p:cNvGrpSpPr/>
-        <p:nvPr/>
-      </p:nvGrpSpPr>
-      <p:grpSpPr>
-        <a:xfrm>
-          <a:off x="0" y="0"/>
-          <a:ext cx="0" cy="0"/>
-          <a:chOff x="0" y="0"/>
-          <a:chExt cx="0" cy="0"/>
-        </a:xfrm>
-      </p:grpSpPr>
-      <p:sp>
-        <p:nvSpPr>
-          <p:cNvPr id="2" name="标题 1">
-            <a:extLst>
-              <a:ext uri="{FF2B5EF4-FFF2-40B4-BE49-F238E27FC236}">
-                <a16:creationId xmlns:a16="http://schemas.microsoft.com/office/drawing/2014/main" id="{F862FC22-B807-4FD9-8F7C-93EA3EC63330}"/>
-              </a:ext>
-            </a:extLst>
-          </p:cNvPr>
-          <p:cNvSpPr>
-            <a:spLocks noGrp="1"/>
-          </p:cNvSpPr>
-          <p:nvPr>
-            <p:ph type="title"/>
-          </p:nvPr>
-        </p:nvSpPr>
-        <p:spPr/>
-        <p:txBody>
-          <a:bodyPr/>
-          <a:lstStyle/>
-          <a:p>
-            <a:r>
-              <a:rPr lang="zh-CN" altLang="en-US" dirty="0"/>
-              <a:t>访问</a:t>
-            </a:r>
-            <a:r>
-              <a:rPr lang="en-US" altLang="zh-CN" dirty="0"/>
-              <a:t>rook-</a:t>
-            </a:r>
-            <a:r>
-              <a:rPr lang="en-US" altLang="zh-CN" dirty="0" err="1"/>
-              <a:t>ceph</a:t>
-            </a:r>
-            <a:endParaRPr lang="zh-CN" altLang="en-US" dirty="0"/>
-          </a:p>
-        </p:txBody>
-      </p:sp>
-      <p:sp>
-        <p:nvSpPr>
-          <p:cNvPr id="13" name="矩形 12">
-            <a:extLst>
-              <a:ext uri="{FF2B5EF4-FFF2-40B4-BE49-F238E27FC236}">
-                <a16:creationId xmlns:a16="http://schemas.microsoft.com/office/drawing/2014/main" id="{5504C932-ED3A-43C9-8E46-5D4141858743}"/>
-              </a:ext>
-            </a:extLst>
-          </p:cNvPr>
-          <p:cNvSpPr/>
-          <p:nvPr/>
-        </p:nvSpPr>
-        <p:spPr>
-          <a:xfrm>
-            <a:off x="838200" y="1465981"/>
-            <a:ext cx="7152920" cy="369332"/>
-          </a:xfrm>
-          <a:prstGeom prst="rect">
-            <a:avLst/>
-          </a:prstGeom>
-        </p:spPr>
-        <p:txBody>
-          <a:bodyPr wrap="none">
-            <a:spAutoFit/>
-          </a:bodyPr>
-          <a:lstStyle/>
-          <a:p>
-            <a:r>
-              <a:rPr lang="zh-CN" altLang="en-US" dirty="0"/>
-              <a:t>登录 </a:t>
-            </a:r>
-            <a:r>
-              <a:rPr lang="en-US" altLang="zh-CN" dirty="0">
-                <a:hlinkClick r:id="rId2"/>
-              </a:rPr>
-              <a:t>https://</a:t>
-            </a:r>
-            <a:r>
-              <a:rPr lang="zh-CN" altLang="en-US" dirty="0">
-                <a:hlinkClick r:id="rId2"/>
-              </a:rPr>
-              <a:t>节点主机</a:t>
-            </a:r>
-            <a:r>
-              <a:rPr lang="en-US" altLang="zh-CN" dirty="0">
-                <a:hlinkClick r:id="rId2"/>
-              </a:rPr>
-              <a:t>IP:</a:t>
-            </a:r>
-            <a:r>
-              <a:rPr lang="zh-CN" altLang="en-US" dirty="0">
-                <a:hlinkClick r:id="rId2"/>
-              </a:rPr>
-              <a:t>查询到端口</a:t>
-            </a:r>
-            <a:r>
-              <a:rPr lang="zh-CN" altLang="en-US" dirty="0"/>
-              <a:t> 获取</a:t>
-            </a:r>
-            <a:r>
-              <a:rPr lang="en-US" altLang="zh-CN" dirty="0"/>
-              <a:t>Rook-</a:t>
-            </a:r>
-            <a:r>
-              <a:rPr lang="en-US" altLang="zh-CN" dirty="0" err="1"/>
-              <a:t>ceph</a:t>
-            </a:r>
-            <a:r>
-              <a:rPr lang="zh-CN" altLang="en-US" dirty="0"/>
-              <a:t>帐号</a:t>
-            </a:r>
-            <a:r>
-              <a:rPr lang="en-US" altLang="zh-CN" dirty="0"/>
-              <a:t>admin</a:t>
-            </a:r>
-            <a:r>
-              <a:rPr lang="zh-CN" altLang="en-US" dirty="0"/>
-              <a:t>和密码</a:t>
-            </a:r>
-          </a:p>
-        </p:txBody>
-      </p:sp>
-      <p:sp>
-        <p:nvSpPr>
-          <p:cNvPr id="14" name="矩形 13">
-            <a:extLst>
-              <a:ext uri="{FF2B5EF4-FFF2-40B4-BE49-F238E27FC236}">
-                <a16:creationId xmlns:a16="http://schemas.microsoft.com/office/drawing/2014/main" id="{84BAAB48-171B-4811-BAE0-13A194B0535A}"/>
-              </a:ext>
-            </a:extLst>
-          </p:cNvPr>
-          <p:cNvSpPr/>
-          <p:nvPr/>
-        </p:nvSpPr>
-        <p:spPr>
-          <a:xfrm>
-            <a:off x="1148919" y="1971999"/>
-            <a:ext cx="9712170" cy="646331"/>
-          </a:xfrm>
-          <a:prstGeom prst="rect">
-            <a:avLst/>
-          </a:prstGeom>
-          <a:solidFill>
-            <a:schemeClr val="tx1"/>
-          </a:solidFill>
-        </p:spPr>
-        <p:style>
-          <a:lnRef idx="2">
-            <a:schemeClr val="accent6"/>
-          </a:lnRef>
-          <a:fillRef idx="1">
-            <a:schemeClr val="lt1"/>
-          </a:fillRef>
-          <a:effectRef idx="0">
-            <a:schemeClr val="accent6"/>
-          </a:effectRef>
-          <a:fontRef idx="minor">
-            <a:schemeClr val="dk1"/>
-          </a:fontRef>
-        </p:style>
-        <p:txBody>
-          <a:bodyPr wrap="square">
-            <a:spAutoFit/>
-          </a:bodyPr>
-          <a:lstStyle/>
-          <a:p>
-            <a:pPr lvl="0" eaLnBrk="0" fontAlgn="base" hangingPunct="0">
-              <a:spcBef>
-                <a:spcPct val="0"/>
-              </a:spcBef>
-              <a:spcAft>
-                <a:spcPct val="0"/>
-              </a:spcAft>
-            </a:pPr>
-            <a:r>
-              <a:rPr lang="zh-CN" altLang="zh-CN" dirty="0">
-                <a:solidFill>
-                  <a:srgbClr val="92D050"/>
-                </a:solidFill>
-                <a:latin typeface="+mn-ea"/>
-              </a:rPr>
-              <a:t>MGR_POD=`kubectl get pod -n rook-ceph | grep mgr | awk '{print $1}</a:t>
-            </a:r>
-            <a:r>
-              <a:rPr lang="zh-CN" altLang="en-US" dirty="0">
-                <a:solidFill>
-                  <a:srgbClr val="92D050"/>
-                </a:solidFill>
-                <a:latin typeface="+mn-ea"/>
-              </a:rPr>
-              <a:t>’</a:t>
-            </a:r>
-            <a:r>
-              <a:rPr lang="zh-CN" altLang="zh-CN" dirty="0">
-                <a:solidFill>
-                  <a:srgbClr val="92D050"/>
-                </a:solidFill>
-                <a:latin typeface="+mn-ea"/>
-              </a:rPr>
-              <a:t>` </a:t>
-            </a:r>
-            <a:endParaRPr lang="en-US" altLang="zh-CN" dirty="0">
-              <a:solidFill>
-                <a:srgbClr val="92D050"/>
-              </a:solidFill>
-              <a:latin typeface="+mn-ea"/>
-            </a:endParaRPr>
-          </a:p>
-          <a:p>
-            <a:pPr lvl="0" eaLnBrk="0" fontAlgn="base" hangingPunct="0">
-              <a:spcBef>
-                <a:spcPct val="0"/>
-              </a:spcBef>
-              <a:spcAft>
-                <a:spcPct val="0"/>
-              </a:spcAft>
-            </a:pPr>
-            <a:r>
-              <a:rPr lang="zh-CN" altLang="zh-CN" dirty="0">
-                <a:solidFill>
-                  <a:srgbClr val="92D050"/>
-                </a:solidFill>
-                <a:latin typeface="+mn-ea"/>
-              </a:rPr>
-              <a:t>sudo kubectl -n rook-ceph logs $MGR_POD | grep password </a:t>
-            </a:r>
-            <a:endParaRPr lang="zh-CN" altLang="zh-CN" sz="4400" dirty="0">
-              <a:solidFill>
-                <a:srgbClr val="92D050"/>
-              </a:solidFill>
-              <a:latin typeface="+mn-ea"/>
-            </a:endParaRPr>
-          </a:p>
-        </p:txBody>
-      </p:sp>
-      <p:pic>
-        <p:nvPicPr>
-          <p:cNvPr id="8" name="图片 7" descr="图片包含 屏幕截图, 监视器, 室内, 计算机&#10;&#10;描述已自动生成">
-            <a:extLst>
-              <a:ext uri="{FF2B5EF4-FFF2-40B4-BE49-F238E27FC236}">
-                <a16:creationId xmlns:a16="http://schemas.microsoft.com/office/drawing/2014/main" id="{A1A74B41-6826-46A7-A60E-8824F20E4D63}"/>
-              </a:ext>
-            </a:extLst>
-          </p:cNvPr>
-          <p:cNvPicPr>
-            <a:picLocks noChangeAspect="1"/>
-          </p:cNvPicPr>
-          <p:nvPr/>
-        </p:nvPicPr>
-        <p:blipFill rotWithShape="1">
-          <a:blip r:embed="rId3">
-            <a:extLst>
-              <a:ext uri="{28A0092B-C50C-407E-A947-70E740481C1C}">
-                <a14:useLocalDpi xmlns:a14="http://schemas.microsoft.com/office/drawing/2010/main" val="0"/>
-              </a:ext>
-            </a:extLst>
-          </a:blip>
-          <a:srcRect l="3495" t="8285" r="680"/>
-          <a:stretch/>
-        </p:blipFill>
-        <p:spPr>
-          <a:xfrm>
-            <a:off x="2530135" y="2899641"/>
-            <a:ext cx="6642025" cy="3575893"/>
-          </a:xfrm>
-          <a:prstGeom prst="rect">
-            <a:avLst/>
-          </a:prstGeom>
-        </p:spPr>
-      </p:pic>
-    </p:spTree>
-    <p:extLst>
-      <p:ext uri="{BB962C8B-B14F-4D97-AF65-F5344CB8AC3E}">
-        <p14:creationId xmlns:p14="http://schemas.microsoft.com/office/powerpoint/2010/main" val="2676906384"/>
       </p:ext>
     </p:extLst>
   </p:cSld>
@@ -36239,17 +36414,26 @@
           <a:p>
             <a:r>
               <a:rPr lang="zh-CN" altLang="en-US" dirty="0"/>
-              <a:t>一些命令</a:t>
-            </a:r>
+              <a:t>访问</a:t>
+            </a:r>
+            <a:r>
+              <a:rPr lang="en-US" altLang="zh-CN" dirty="0"/>
+              <a:t>rook-</a:t>
+            </a:r>
+            <a:r>
+              <a:rPr lang="en-US" altLang="zh-CN" dirty="0" err="1"/>
+              <a:t>ceph</a:t>
+            </a:r>
+            <a:endParaRPr lang="zh-CN" altLang="en-US" dirty="0"/>
           </a:p>
         </p:txBody>
       </p:sp>
       <p:sp>
         <p:nvSpPr>
-          <p:cNvPr id="5" name="矩形 4">
+          <p:cNvPr id="13" name="矩形 12">
             <a:extLst>
               <a:ext uri="{FF2B5EF4-FFF2-40B4-BE49-F238E27FC236}">
-                <a16:creationId xmlns:a16="http://schemas.microsoft.com/office/drawing/2014/main" id="{2B695B11-EA8B-42E1-959C-880614D8BAA3}"/>
+                <a16:creationId xmlns:a16="http://schemas.microsoft.com/office/drawing/2014/main" id="{5504C932-ED3A-43C9-8E46-5D4141858743}"/>
               </a:ext>
             </a:extLst>
           </p:cNvPr>
@@ -36258,8 +36442,90 @@
         </p:nvSpPr>
         <p:spPr>
           <a:xfrm>
-            <a:off x="1337569" y="1891662"/>
-            <a:ext cx="9712170" cy="369332"/>
+            <a:off x="838200" y="1465981"/>
+            <a:ext cx="7152920" cy="369332"/>
+          </a:xfrm>
+          <a:prstGeom prst="rect">
+            <a:avLst/>
+          </a:prstGeom>
+        </p:spPr>
+        <p:txBody>
+          <a:bodyPr wrap="none">
+            <a:spAutoFit/>
+          </a:bodyPr>
+          <a:lstStyle/>
+          <a:p>
+            <a:r>
+              <a:rPr lang="zh-CN" altLang="en-US" dirty="0"/>
+              <a:t>登录 </a:t>
+            </a:r>
+            <a:r>
+              <a:rPr lang="en-US" altLang="zh-CN" dirty="0">
+                <a:hlinkClick r:id="rId2"/>
+              </a:rPr>
+              <a:t>https://</a:t>
+            </a:r>
+            <a:r>
+              <a:rPr lang="zh-CN" altLang="en-US" dirty="0">
+                <a:hlinkClick r:id="rId2"/>
+              </a:rPr>
+              <a:t>节点主机</a:t>
+            </a:r>
+            <a:r>
+              <a:rPr lang="en-US" altLang="zh-CN" dirty="0">
+                <a:hlinkClick r:id="rId2"/>
+              </a:rPr>
+              <a:t>IP:</a:t>
+            </a:r>
+            <a:r>
+              <a:rPr lang="zh-CN" altLang="en-US" dirty="0">
+                <a:hlinkClick r:id="rId2"/>
+              </a:rPr>
+              <a:t>查询到端口</a:t>
+            </a:r>
+            <a:r>
+              <a:rPr lang="zh-CN" altLang="en-US" dirty="0"/>
+              <a:t> 获取</a:t>
+            </a:r>
+            <a:r>
+              <a:rPr lang="en-US" altLang="zh-CN" dirty="0"/>
+              <a:t>Rook-</a:t>
+            </a:r>
+            <a:r>
+              <a:rPr lang="en-US" altLang="zh-CN" dirty="0" err="1"/>
+              <a:t>ceph</a:t>
+            </a:r>
+            <a:r>
+              <a:rPr lang="zh-CN" altLang="en-US" dirty="0"/>
+              <a:t>帐号</a:t>
+            </a:r>
+            <a:r>
+              <a:rPr lang="en-US" altLang="zh-CN" dirty="0"/>
+              <a:t>admin</a:t>
+            </a:r>
+            <a:r>
+              <a:rPr lang="zh-CN" altLang="en-US" dirty="0"/>
+              <a:t>和密码</a:t>
+            </a:r>
+          </a:p>
+        </p:txBody>
+      </p:sp>
+      <p:sp>
+        <p:nvSpPr>
+          <p:cNvPr id="14" name="矩形 13">
+            <a:extLst>
+              <a:ext uri="{FF2B5EF4-FFF2-40B4-BE49-F238E27FC236}">
+                <a16:creationId xmlns:a16="http://schemas.microsoft.com/office/drawing/2014/main" id="{84BAAB48-171B-4811-BAE0-13A194B0535A}"/>
+              </a:ext>
+            </a:extLst>
+          </p:cNvPr>
+          <p:cNvSpPr/>
+          <p:nvPr/>
+        </p:nvSpPr>
+        <p:spPr>
+          <a:xfrm>
+            <a:off x="1148919" y="1971999"/>
+            <a:ext cx="9712170" cy="646331"/>
           </a:xfrm>
           <a:prstGeom prst="rect">
             <a:avLst/>
@@ -36288,62 +36554,6 @@
           </a:bodyPr>
           <a:lstStyle/>
           <a:p>
-            <a:r>
-              <a:rPr lang="zh-CN" altLang="en-US" dirty="0">
-                <a:solidFill>
-                  <a:srgbClr val="92D050"/>
-                </a:solidFill>
-                <a:latin typeface="+mn-ea"/>
-              </a:rPr>
-              <a:t>sudo kubeadm reset</a:t>
-            </a:r>
-          </a:p>
-        </p:txBody>
-      </p:sp>
-      <p:sp>
-        <p:nvSpPr>
-          <p:cNvPr id="9" name="矩形 8">
-            <a:extLst>
-              <a:ext uri="{FF2B5EF4-FFF2-40B4-BE49-F238E27FC236}">
-                <a16:creationId xmlns:a16="http://schemas.microsoft.com/office/drawing/2014/main" id="{E0E1F1AF-982F-4295-BA54-0A9CEAB56BFF}"/>
-              </a:ext>
-            </a:extLst>
-          </p:cNvPr>
-          <p:cNvSpPr/>
-          <p:nvPr/>
-        </p:nvSpPr>
-        <p:spPr>
-          <a:xfrm>
-            <a:off x="1337569" y="3098592"/>
-            <a:ext cx="9712170" cy="369332"/>
-          </a:xfrm>
-          <a:prstGeom prst="rect">
-            <a:avLst/>
-          </a:prstGeom>
-          <a:solidFill>
-            <a:schemeClr val="tx1"/>
-          </a:solidFill>
-        </p:spPr>
-        <p:style>
-          <a:lnRef idx="2">
-            <a:schemeClr val="accent6"/>
-          </a:lnRef>
-          <a:fillRef idx="1">
-            <a:schemeClr val="lt1"/>
-          </a:fillRef>
-          <a:effectRef idx="0">
-            <a:schemeClr val="accent6"/>
-          </a:effectRef>
-          <a:fontRef idx="minor">
-            <a:schemeClr val="dk1"/>
-          </a:fontRef>
-        </p:style>
-        <p:txBody>
-          <a:bodyPr wrap="square">
-            <a:spAutoFit/>
-          </a:bodyPr>
-          <a:lstStyle/>
-          <a:p>
             <a:pPr lvl="0" eaLnBrk="0" fontAlgn="base" hangingPunct="0">
               <a:spcBef>
                 <a:spcPct val="0"/>
@@ -36359,170 +36569,32 @@
                 </a:solidFill>
                 <a:latin typeface="+mn-ea"/>
               </a:rPr>
-              <a:t>sudo kubectl taint nodes --all node-role.kubernetes.io/master- </a:t>
-            </a:r>
-          </a:p>
-        </p:txBody>
-      </p:sp>
-      <p:sp>
-        <p:nvSpPr>
-          <p:cNvPr id="10" name="矩形 9">
-            <a:extLst>
-              <a:ext uri="{FF2B5EF4-FFF2-40B4-BE49-F238E27FC236}">
-                <a16:creationId xmlns:a16="http://schemas.microsoft.com/office/drawing/2014/main" id="{74988FBE-2837-4BE5-81BF-20EDC4CB5319}"/>
-              </a:ext>
-            </a:extLst>
-          </p:cNvPr>
-          <p:cNvSpPr/>
-          <p:nvPr/>
-        </p:nvSpPr>
-        <p:spPr>
-          <a:xfrm>
-            <a:off x="1142261" y="2587460"/>
-            <a:ext cx="4474302" cy="369332"/>
-          </a:xfrm>
-          <a:prstGeom prst="rect">
-            <a:avLst/>
-          </a:prstGeom>
-        </p:spPr>
-        <p:txBody>
-          <a:bodyPr wrap="none">
-            <a:spAutoFit/>
-          </a:bodyPr>
-          <a:lstStyle/>
-          <a:p>
+              <a:t>MGR_POD=`kubectl get pod -n rook-ceph | grep mgr | awk '{print $1}</a:t>
+            </a:r>
             <a:r>
               <a:rPr lang="zh-CN" altLang="en-US" dirty="0">
                 <a:solidFill>
-                  <a:srgbClr val="24292E"/>
-                </a:solidFill>
-                <a:latin typeface="-apple-system"/>
-              </a:rPr>
-              <a:t>删除主节点污点，支持主节点部署应用</a:t>
-            </a:r>
-            <a:r>
-              <a:rPr lang="en-US" altLang="zh-CN" dirty="0">
-                <a:solidFill>
-                  <a:srgbClr val="24292E"/>
-                </a:solidFill>
-                <a:latin typeface="-apple-system"/>
-              </a:rPr>
-              <a:t>pod</a:t>
-            </a:r>
-            <a:endParaRPr lang="zh-CN" altLang="en-US" dirty="0"/>
-          </a:p>
-        </p:txBody>
-      </p:sp>
-      <p:sp>
-        <p:nvSpPr>
-          <p:cNvPr id="6" name="矩形 5">
-            <a:extLst>
-              <a:ext uri="{FF2B5EF4-FFF2-40B4-BE49-F238E27FC236}">
-                <a16:creationId xmlns:a16="http://schemas.microsoft.com/office/drawing/2014/main" id="{62A284ED-5A16-4D6E-87DF-962AD0954CA4}"/>
-              </a:ext>
-            </a:extLst>
-          </p:cNvPr>
-          <p:cNvSpPr/>
-          <p:nvPr/>
-        </p:nvSpPr>
-        <p:spPr>
-          <a:xfrm>
-            <a:off x="1142261" y="1522330"/>
-            <a:ext cx="1702454" cy="369332"/>
-          </a:xfrm>
-          <a:prstGeom prst="rect">
-            <a:avLst/>
-          </a:prstGeom>
-        </p:spPr>
-        <p:txBody>
-          <a:bodyPr wrap="none">
-            <a:spAutoFit/>
-          </a:bodyPr>
-          <a:lstStyle/>
-          <a:p>
-            <a:r>
-              <a:rPr lang="zh-CN" altLang="en-US" dirty="0">
-                <a:solidFill>
-                  <a:srgbClr val="24292E"/>
-                </a:solidFill>
-                <a:latin typeface="-apple-system"/>
-              </a:rPr>
-              <a:t>重置</a:t>
-            </a:r>
-            <a:r>
-              <a:rPr lang="en-US" altLang="zh-CN" dirty="0" err="1">
-                <a:solidFill>
-                  <a:srgbClr val="24292E"/>
-                </a:solidFill>
-                <a:latin typeface="-apple-system"/>
-              </a:rPr>
-              <a:t>kubernetes</a:t>
-            </a:r>
-            <a:endParaRPr lang="zh-CN" altLang="en-US" dirty="0"/>
-          </a:p>
-        </p:txBody>
-      </p:sp>
-      <p:sp>
-        <p:nvSpPr>
-          <p:cNvPr id="11" name="矩形 10">
-            <a:extLst>
-              <a:ext uri="{FF2B5EF4-FFF2-40B4-BE49-F238E27FC236}">
-                <a16:creationId xmlns:a16="http://schemas.microsoft.com/office/drawing/2014/main" id="{4BF719F3-74FA-4D75-B9FE-C6CC15AA4C23}"/>
-              </a:ext>
-            </a:extLst>
-          </p:cNvPr>
-          <p:cNvSpPr/>
-          <p:nvPr/>
-        </p:nvSpPr>
-        <p:spPr>
-          <a:xfrm>
-            <a:off x="1337569" y="4307288"/>
-            <a:ext cx="9712170" cy="923330"/>
-          </a:xfrm>
-          <a:prstGeom prst="rect">
-            <a:avLst/>
-          </a:prstGeom>
-          <a:solidFill>
-            <a:schemeClr val="tx1"/>
-          </a:solidFill>
-        </p:spPr>
-        <p:style>
-          <a:lnRef idx="2">
-            <a:schemeClr val="accent6"/>
-          </a:lnRef>
-          <a:fillRef idx="1">
-            <a:schemeClr val="lt1"/>
-          </a:fillRef>
-          <a:effectRef idx="0">
-            <a:schemeClr val="accent6"/>
-          </a:effectRef>
-          <a:fontRef idx="minor">
-            <a:schemeClr val="dk1"/>
-          </a:fontRef>
-        </p:style>
-        <p:txBody>
-          <a:bodyPr wrap="square">
-            <a:spAutoFit/>
-          </a:bodyPr>
-          <a:lstStyle/>
-          <a:p>
-            <a:pPr eaLnBrk="0" fontAlgn="base" hangingPunct="0">
-              <a:spcBef>
-                <a:spcPct val="0"/>
-              </a:spcBef>
-              <a:spcAft>
-                <a:spcPct val="0"/>
-              </a:spcAft>
-            </a:pPr>
-            <a:r>
-              <a:rPr lang="zh-CN" altLang="en-US" dirty="0">
-                <a:solidFill>
                   <a:srgbClr val="92D050"/>
                 </a:solidFill>
                 <a:latin typeface="+mn-ea"/>
               </a:rPr>
-              <a:t>sudo kubectl delete pod k8saspnetcoredemo003-deployment-d48f9688f-sj95g  -n default --grace-period=0 --force</a:t>
-            </a:r>
+              <a:t>’</a:t>
+            </a:r>
+            <a:r>
+              <a:rPr lang="zh-CN" altLang="zh-CN" dirty="0">
+                <a:solidFill>
+                  <a:srgbClr val="92D050"/>
+                </a:solidFill>
+                <a:latin typeface="+mn-ea"/>
+              </a:rPr>
+              <a:t>` </a:t>
+            </a:r>
+            <a:endParaRPr lang="en-US" altLang="zh-CN" dirty="0">
+              <a:solidFill>
+                <a:srgbClr val="92D050"/>
+              </a:solidFill>
+              <a:latin typeface="+mn-ea"/>
+            </a:endParaRPr>
           </a:p>
           <a:p>
             <a:pPr lvl="0" eaLnBrk="0" fontAlgn="base" hangingPunct="0">
@@ -36540,53 +36612,56 @@
                 </a:solidFill>
                 <a:latin typeface="+mn-ea"/>
               </a:rPr>
-              <a:t> </a:t>
-            </a:r>
+              <a:t>sudo kubectl -n rook-ceph logs $MGR_POD | grep password </a:t>
+            </a:r>
+            <a:endParaRPr lang="zh-CN" altLang="zh-CN" sz="4400" dirty="0">
+              <a:solidFill>
+                <a:srgbClr val="92D050"/>
+              </a:solidFill>
+              <a:latin typeface="+mn-ea"/>
+            </a:endParaRPr>
           </a:p>
         </p:txBody>
       </p:sp>
-      <p:sp>
-        <p:nvSpPr>
-          <p:cNvPr id="12" name="矩形 11">
+      <p:pic>
+        <p:nvPicPr>
+          <p:cNvPr id="8" name="图片 7" descr="图片包含 屏幕截图, 监视器, 室内, 计算机&#10;&#10;描述已自动生成">
             <a:extLst>
               <a:ext uri="{FF2B5EF4-FFF2-40B4-BE49-F238E27FC236}">
-                <a16:creationId xmlns:a16="http://schemas.microsoft.com/office/drawing/2014/main" id="{A998EDD0-829B-4737-BE50-013055292647}"/>
+                <a16:creationId xmlns:a16="http://schemas.microsoft.com/office/drawing/2014/main" id="{A1A74B41-6826-46A7-A60E-8824F20E4D63}"/>
               </a:ext>
             </a:extLst>
           </p:cNvPr>
-          <p:cNvSpPr/>
+          <p:cNvPicPr>
+            <a:picLocks noChangeAspect="1"/>
+          </p:cNvPicPr>
           <p:nvPr/>
-        </p:nvSpPr>
+        </p:nvPicPr>
+        <p:blipFill rotWithShape="1">
+          <a:blip r:embed="rId3">
+            <a:extLst>
+              <a:ext uri="{28A0092B-C50C-407E-A947-70E740481C1C}">
+                <a14:useLocalDpi xmlns:a14="http://schemas.microsoft.com/office/drawing/2010/main" val="0"/>
+              </a:ext>
+            </a:extLst>
+          </a:blip>
+          <a:srcRect l="3495" t="8285" r="680"/>
+          <a:stretch/>
+        </p:blipFill>
         <p:spPr>
           <a:xfrm>
-            <a:off x="1197936" y="3845623"/>
-            <a:ext cx="2273234" cy="369332"/>
+            <a:off x="2530135" y="2899641"/>
+            <a:ext cx="6642025" cy="3575893"/>
           </a:xfrm>
           <a:prstGeom prst="rect">
             <a:avLst/>
           </a:prstGeom>
         </p:spPr>
-        <p:txBody>
-          <a:bodyPr wrap="square">
-            <a:spAutoFit/>
-          </a:bodyPr>
-          <a:lstStyle/>
-          <a:p>
-            <a:r>
-              <a:rPr lang="zh-CN" altLang="en-US" dirty="0"/>
-              <a:t>删除失败</a:t>
-            </a:r>
-            <a:r>
-              <a:rPr lang="en-US" altLang="zh-CN" dirty="0"/>
-              <a:t>Pod</a:t>
-            </a:r>
-          </a:p>
-        </p:txBody>
-      </p:sp>
+      </p:pic>
     </p:spTree>
     <p:extLst>
       <p:ext uri="{BB962C8B-B14F-4D97-AF65-F5344CB8AC3E}">
-        <p14:creationId xmlns:p14="http://schemas.microsoft.com/office/powerpoint/2010/main" val="2568507812"/>
+        <p14:creationId xmlns:p14="http://schemas.microsoft.com/office/powerpoint/2010/main" val="2676906384"/>
       </p:ext>
     </p:extLst>
   </p:cSld>
@@ -36636,6 +36711,403 @@
           <a:p>
             <a:r>
               <a:rPr lang="zh-CN" altLang="en-US" dirty="0"/>
+              <a:t>一些命令</a:t>
+            </a:r>
+          </a:p>
+        </p:txBody>
+      </p:sp>
+      <p:sp>
+        <p:nvSpPr>
+          <p:cNvPr id="5" name="矩形 4">
+            <a:extLst>
+              <a:ext uri="{FF2B5EF4-FFF2-40B4-BE49-F238E27FC236}">
+                <a16:creationId xmlns:a16="http://schemas.microsoft.com/office/drawing/2014/main" id="{2B695B11-EA8B-42E1-959C-880614D8BAA3}"/>
+              </a:ext>
+            </a:extLst>
+          </p:cNvPr>
+          <p:cNvSpPr/>
+          <p:nvPr/>
+        </p:nvSpPr>
+        <p:spPr>
+          <a:xfrm>
+            <a:off x="1337569" y="1891662"/>
+            <a:ext cx="9712170" cy="369332"/>
+          </a:xfrm>
+          <a:prstGeom prst="rect">
+            <a:avLst/>
+          </a:prstGeom>
+          <a:solidFill>
+            <a:schemeClr val="tx1"/>
+          </a:solidFill>
+        </p:spPr>
+        <p:style>
+          <a:lnRef idx="2">
+            <a:schemeClr val="accent6"/>
+          </a:lnRef>
+          <a:fillRef idx="1">
+            <a:schemeClr val="lt1"/>
+          </a:fillRef>
+          <a:effectRef idx="0">
+            <a:schemeClr val="accent6"/>
+          </a:effectRef>
+          <a:fontRef idx="minor">
+            <a:schemeClr val="dk1"/>
+          </a:fontRef>
+        </p:style>
+        <p:txBody>
+          <a:bodyPr wrap="square">
+            <a:spAutoFit/>
+          </a:bodyPr>
+          <a:lstStyle/>
+          <a:p>
+            <a:r>
+              <a:rPr lang="zh-CN" altLang="en-US" dirty="0">
+                <a:solidFill>
+                  <a:srgbClr val="92D050"/>
+                </a:solidFill>
+                <a:latin typeface="+mn-ea"/>
+              </a:rPr>
+              <a:t>sudo kubeadm reset</a:t>
+            </a:r>
+          </a:p>
+        </p:txBody>
+      </p:sp>
+      <p:sp>
+        <p:nvSpPr>
+          <p:cNvPr id="9" name="矩形 8">
+            <a:extLst>
+              <a:ext uri="{FF2B5EF4-FFF2-40B4-BE49-F238E27FC236}">
+                <a16:creationId xmlns:a16="http://schemas.microsoft.com/office/drawing/2014/main" id="{E0E1F1AF-982F-4295-BA54-0A9CEAB56BFF}"/>
+              </a:ext>
+            </a:extLst>
+          </p:cNvPr>
+          <p:cNvSpPr/>
+          <p:nvPr/>
+        </p:nvSpPr>
+        <p:spPr>
+          <a:xfrm>
+            <a:off x="1337569" y="3098592"/>
+            <a:ext cx="9712170" cy="369332"/>
+          </a:xfrm>
+          <a:prstGeom prst="rect">
+            <a:avLst/>
+          </a:prstGeom>
+          <a:solidFill>
+            <a:schemeClr val="tx1"/>
+          </a:solidFill>
+        </p:spPr>
+        <p:style>
+          <a:lnRef idx="2">
+            <a:schemeClr val="accent6"/>
+          </a:lnRef>
+          <a:fillRef idx="1">
+            <a:schemeClr val="lt1"/>
+          </a:fillRef>
+          <a:effectRef idx="0">
+            <a:schemeClr val="accent6"/>
+          </a:effectRef>
+          <a:fontRef idx="minor">
+            <a:schemeClr val="dk1"/>
+          </a:fontRef>
+        </p:style>
+        <p:txBody>
+          <a:bodyPr wrap="square">
+            <a:spAutoFit/>
+          </a:bodyPr>
+          <a:lstStyle/>
+          <a:p>
+            <a:pPr lvl="0" eaLnBrk="0" fontAlgn="base" hangingPunct="0">
+              <a:spcBef>
+                <a:spcPct val="0"/>
+              </a:spcBef>
+              <a:spcAft>
+                <a:spcPct val="0"/>
+              </a:spcAft>
+            </a:pPr>
+            <a:r>
+              <a:rPr lang="zh-CN" altLang="zh-CN" dirty="0">
+                <a:solidFill>
+                  <a:srgbClr val="92D050"/>
+                </a:solidFill>
+                <a:latin typeface="+mn-ea"/>
+              </a:rPr>
+              <a:t>sudo kubectl taint nodes --all node-role.kubernetes.io/master- </a:t>
+            </a:r>
+          </a:p>
+        </p:txBody>
+      </p:sp>
+      <p:sp>
+        <p:nvSpPr>
+          <p:cNvPr id="10" name="矩形 9">
+            <a:extLst>
+              <a:ext uri="{FF2B5EF4-FFF2-40B4-BE49-F238E27FC236}">
+                <a16:creationId xmlns:a16="http://schemas.microsoft.com/office/drawing/2014/main" id="{74988FBE-2837-4BE5-81BF-20EDC4CB5319}"/>
+              </a:ext>
+            </a:extLst>
+          </p:cNvPr>
+          <p:cNvSpPr/>
+          <p:nvPr/>
+        </p:nvSpPr>
+        <p:spPr>
+          <a:xfrm>
+            <a:off x="1142261" y="2587460"/>
+            <a:ext cx="4474302" cy="369332"/>
+          </a:xfrm>
+          <a:prstGeom prst="rect">
+            <a:avLst/>
+          </a:prstGeom>
+        </p:spPr>
+        <p:txBody>
+          <a:bodyPr wrap="none">
+            <a:spAutoFit/>
+          </a:bodyPr>
+          <a:lstStyle/>
+          <a:p>
+            <a:r>
+              <a:rPr lang="zh-CN" altLang="en-US" dirty="0">
+                <a:solidFill>
+                  <a:srgbClr val="24292E"/>
+                </a:solidFill>
+                <a:latin typeface="-apple-system"/>
+              </a:rPr>
+              <a:t>删除主节点污点，支持主节点部署应用</a:t>
+            </a:r>
+            <a:r>
+              <a:rPr lang="en-US" altLang="zh-CN" dirty="0">
+                <a:solidFill>
+                  <a:srgbClr val="24292E"/>
+                </a:solidFill>
+                <a:latin typeface="-apple-system"/>
+              </a:rPr>
+              <a:t>pod</a:t>
+            </a:r>
+            <a:endParaRPr lang="zh-CN" altLang="en-US" dirty="0"/>
+          </a:p>
+        </p:txBody>
+      </p:sp>
+      <p:sp>
+        <p:nvSpPr>
+          <p:cNvPr id="6" name="矩形 5">
+            <a:extLst>
+              <a:ext uri="{FF2B5EF4-FFF2-40B4-BE49-F238E27FC236}">
+                <a16:creationId xmlns:a16="http://schemas.microsoft.com/office/drawing/2014/main" id="{62A284ED-5A16-4D6E-87DF-962AD0954CA4}"/>
+              </a:ext>
+            </a:extLst>
+          </p:cNvPr>
+          <p:cNvSpPr/>
+          <p:nvPr/>
+        </p:nvSpPr>
+        <p:spPr>
+          <a:xfrm>
+            <a:off x="1142261" y="1522330"/>
+            <a:ext cx="1702454" cy="369332"/>
+          </a:xfrm>
+          <a:prstGeom prst="rect">
+            <a:avLst/>
+          </a:prstGeom>
+        </p:spPr>
+        <p:txBody>
+          <a:bodyPr wrap="none">
+            <a:spAutoFit/>
+          </a:bodyPr>
+          <a:lstStyle/>
+          <a:p>
+            <a:r>
+              <a:rPr lang="zh-CN" altLang="en-US" dirty="0">
+                <a:solidFill>
+                  <a:srgbClr val="24292E"/>
+                </a:solidFill>
+                <a:latin typeface="-apple-system"/>
+              </a:rPr>
+              <a:t>重置</a:t>
+            </a:r>
+            <a:r>
+              <a:rPr lang="en-US" altLang="zh-CN" dirty="0" err="1">
+                <a:solidFill>
+                  <a:srgbClr val="24292E"/>
+                </a:solidFill>
+                <a:latin typeface="-apple-system"/>
+              </a:rPr>
+              <a:t>kubernetes</a:t>
+            </a:r>
+            <a:endParaRPr lang="zh-CN" altLang="en-US" dirty="0"/>
+          </a:p>
+        </p:txBody>
+      </p:sp>
+      <p:sp>
+        <p:nvSpPr>
+          <p:cNvPr id="11" name="矩形 10">
+            <a:extLst>
+              <a:ext uri="{FF2B5EF4-FFF2-40B4-BE49-F238E27FC236}">
+                <a16:creationId xmlns:a16="http://schemas.microsoft.com/office/drawing/2014/main" id="{4BF719F3-74FA-4D75-B9FE-C6CC15AA4C23}"/>
+              </a:ext>
+            </a:extLst>
+          </p:cNvPr>
+          <p:cNvSpPr/>
+          <p:nvPr/>
+        </p:nvSpPr>
+        <p:spPr>
+          <a:xfrm>
+            <a:off x="1337569" y="4307288"/>
+            <a:ext cx="9712170" cy="923330"/>
+          </a:xfrm>
+          <a:prstGeom prst="rect">
+            <a:avLst/>
+          </a:prstGeom>
+          <a:solidFill>
+            <a:schemeClr val="tx1"/>
+          </a:solidFill>
+        </p:spPr>
+        <p:style>
+          <a:lnRef idx="2">
+            <a:schemeClr val="accent6"/>
+          </a:lnRef>
+          <a:fillRef idx="1">
+            <a:schemeClr val="lt1"/>
+          </a:fillRef>
+          <a:effectRef idx="0">
+            <a:schemeClr val="accent6"/>
+          </a:effectRef>
+          <a:fontRef idx="minor">
+            <a:schemeClr val="dk1"/>
+          </a:fontRef>
+        </p:style>
+        <p:txBody>
+          <a:bodyPr wrap="square">
+            <a:spAutoFit/>
+          </a:bodyPr>
+          <a:lstStyle/>
+          <a:p>
+            <a:pPr eaLnBrk="0" fontAlgn="base" hangingPunct="0">
+              <a:spcBef>
+                <a:spcPct val="0"/>
+              </a:spcBef>
+              <a:spcAft>
+                <a:spcPct val="0"/>
+              </a:spcAft>
+            </a:pPr>
+            <a:r>
+              <a:rPr lang="zh-CN" altLang="en-US" dirty="0">
+                <a:solidFill>
+                  <a:srgbClr val="92D050"/>
+                </a:solidFill>
+                <a:latin typeface="+mn-ea"/>
+              </a:rPr>
+              <a:t>sudo kubectl delete pod k8saspnetcoredemo003-deployment-d48f9688f-sj95g  -n default --grace-period=0 --force</a:t>
+            </a:r>
+          </a:p>
+          <a:p>
+            <a:pPr lvl="0" eaLnBrk="0" fontAlgn="base" hangingPunct="0">
+              <a:spcBef>
+                <a:spcPct val="0"/>
+              </a:spcBef>
+              <a:spcAft>
+                <a:spcPct val="0"/>
+              </a:spcAft>
+            </a:pPr>
+            <a:r>
+              <a:rPr lang="zh-CN" altLang="zh-CN" dirty="0">
+                <a:solidFill>
+                  <a:srgbClr val="92D050"/>
+                </a:solidFill>
+                <a:latin typeface="+mn-ea"/>
+              </a:rPr>
+              <a:t> </a:t>
+            </a:r>
+          </a:p>
+        </p:txBody>
+      </p:sp>
+      <p:sp>
+        <p:nvSpPr>
+          <p:cNvPr id="12" name="矩形 11">
+            <a:extLst>
+              <a:ext uri="{FF2B5EF4-FFF2-40B4-BE49-F238E27FC236}">
+                <a16:creationId xmlns:a16="http://schemas.microsoft.com/office/drawing/2014/main" id="{A998EDD0-829B-4737-BE50-013055292647}"/>
+              </a:ext>
+            </a:extLst>
+          </p:cNvPr>
+          <p:cNvSpPr/>
+          <p:nvPr/>
+        </p:nvSpPr>
+        <p:spPr>
+          <a:xfrm>
+            <a:off x="1197936" y="3845623"/>
+            <a:ext cx="2273234" cy="369332"/>
+          </a:xfrm>
+          <a:prstGeom prst="rect">
+            <a:avLst/>
+          </a:prstGeom>
+        </p:spPr>
+        <p:txBody>
+          <a:bodyPr wrap="square">
+            <a:spAutoFit/>
+          </a:bodyPr>
+          <a:lstStyle/>
+          <a:p>
+            <a:r>
+              <a:rPr lang="zh-CN" altLang="en-US" dirty="0"/>
+              <a:t>删除失败</a:t>
+            </a:r>
+            <a:r>
+              <a:rPr lang="en-US" altLang="zh-CN" dirty="0"/>
+              <a:t>Pod</a:t>
+            </a:r>
+          </a:p>
+        </p:txBody>
+      </p:sp>
+    </p:spTree>
+    <p:extLst>
+      <p:ext uri="{BB962C8B-B14F-4D97-AF65-F5344CB8AC3E}">
+        <p14:creationId xmlns:p14="http://schemas.microsoft.com/office/powerpoint/2010/main" val="2568507812"/>
+      </p:ext>
+    </p:extLst>
+  </p:cSld>
+  <p:clrMapOvr>
+    <a:masterClrMapping/>
+  </p:clrMapOvr>
+</p:sld>
+</file>
+
+<file path=ppt/slides/slide62.xml><?xml version="1.0" encoding="utf-8"?>
+<p:sld xmlns:a="http://schemas.openxmlformats.org/drawingml/2006/main" xmlns:r="http://schemas.openxmlformats.org/officeDocument/2006/relationships" xmlns:p="http://schemas.openxmlformats.org/presentationml/2006/main">
+  <p:cSld>
+    <p:spTree>
+      <p:nvGrpSpPr>
+        <p:cNvPr id="1" name=""/>
+        <p:cNvGrpSpPr/>
+        <p:nvPr/>
+      </p:nvGrpSpPr>
+      <p:grpSpPr>
+        <a:xfrm>
+          <a:off x="0" y="0"/>
+          <a:ext cx="0" cy="0"/>
+          <a:chOff x="0" y="0"/>
+          <a:chExt cx="0" cy="0"/>
+        </a:xfrm>
+      </p:grpSpPr>
+      <p:sp>
+        <p:nvSpPr>
+          <p:cNvPr id="2" name="标题 1">
+            <a:extLst>
+              <a:ext uri="{FF2B5EF4-FFF2-40B4-BE49-F238E27FC236}">
+                <a16:creationId xmlns:a16="http://schemas.microsoft.com/office/drawing/2014/main" id="{F862FC22-B807-4FD9-8F7C-93EA3EC63330}"/>
+              </a:ext>
+            </a:extLst>
+          </p:cNvPr>
+          <p:cNvSpPr>
+            <a:spLocks noGrp="1"/>
+          </p:cNvSpPr>
+          <p:nvPr>
+            <p:ph type="title"/>
+          </p:nvPr>
+        </p:nvSpPr>
+        <p:spPr/>
+        <p:txBody>
+          <a:bodyPr/>
+          <a:lstStyle/>
+          <a:p>
+            <a:r>
+              <a:rPr lang="zh-CN" altLang="en-US" dirty="0"/>
               <a:t>网络</a:t>
             </a:r>
           </a:p>
@@ -36701,7 +37173,7 @@
 </p:sld>
 </file>
 
-<file path=ppt/slides/slide62.xml><?xml version="1.0" encoding="utf-8"?>
+<file path=ppt/slides/slide63.xml><?xml version="1.0" encoding="utf-8"?>
 <p:sld xmlns:a="http://schemas.openxmlformats.org/drawingml/2006/main" xmlns:r="http://schemas.openxmlformats.org/officeDocument/2006/relationships" xmlns:p="http://schemas.openxmlformats.org/presentationml/2006/main" show="0">
   <p:cSld>
     <p:spTree>
@@ -37347,7 +37819,7 @@
 </p:sld>
 </file>
 
-<file path=ppt/slides/slide63.xml><?xml version="1.0" encoding="utf-8"?>
+<file path=ppt/slides/slide64.xml><?xml version="1.0" encoding="utf-8"?>
 <p:sld xmlns:a="http://schemas.openxmlformats.org/drawingml/2006/main" xmlns:r="http://schemas.openxmlformats.org/officeDocument/2006/relationships" xmlns:p="http://schemas.openxmlformats.org/presentationml/2006/main" show="0">
   <p:cSld>
     <p:spTree>
@@ -38062,7 +38534,7 @@
 </p:sld>
 </file>
 
-<file path=ppt/slides/slide64.xml><?xml version="1.0" encoding="utf-8"?>
+<file path=ppt/slides/slide65.xml><?xml version="1.0" encoding="utf-8"?>
 <p:sld xmlns:a="http://schemas.openxmlformats.org/drawingml/2006/main" xmlns:r="http://schemas.openxmlformats.org/officeDocument/2006/relationships" xmlns:p="http://schemas.openxmlformats.org/presentationml/2006/main" show="0">
   <p:cSld>
     <p:spTree>
@@ -38438,7 +38910,7 @@
 </p:sld>
 </file>
 
-<file path=ppt/slides/slide65.xml><?xml version="1.0" encoding="utf-8"?>
+<file path=ppt/slides/slide66.xml><?xml version="1.0" encoding="utf-8"?>
 <p:sld xmlns:a="http://schemas.openxmlformats.org/drawingml/2006/main" xmlns:r="http://schemas.openxmlformats.org/officeDocument/2006/relationships" xmlns:p="http://schemas.openxmlformats.org/presentationml/2006/main" show="0">
   <p:cSld>
     <p:spTree>
@@ -38558,7 +39030,7 @@
 </p:sld>
 </file>
 
-<file path=ppt/slides/slide66.xml><?xml version="1.0" encoding="utf-8"?>
+<file path=ppt/slides/slide67.xml><?xml version="1.0" encoding="utf-8"?>
 <p:sld xmlns:a="http://schemas.openxmlformats.org/drawingml/2006/main" xmlns:r="http://schemas.openxmlformats.org/officeDocument/2006/relationships" xmlns:p="http://schemas.openxmlformats.org/presentationml/2006/main" show="0">
   <p:cSld>
     <p:spTree>
@@ -39443,7 +39915,7 @@
 </p:sld>
 </file>
 
-<file path=ppt/slides/slide67.xml><?xml version="1.0" encoding="utf-8"?>
+<file path=ppt/slides/slide68.xml><?xml version="1.0" encoding="utf-8"?>
 <p:sld xmlns:a="http://schemas.openxmlformats.org/drawingml/2006/main" xmlns:r="http://schemas.openxmlformats.org/officeDocument/2006/relationships" xmlns:p="http://schemas.openxmlformats.org/presentationml/2006/main">
   <p:cSld>
     <p:spTree>
@@ -40871,7 +41343,7 @@
 </p:sld>
 </file>
 
-<file path=ppt/slides/slide68.xml><?xml version="1.0" encoding="utf-8"?>
+<file path=ppt/slides/slide69.xml><?xml version="1.0" encoding="utf-8"?>
 <p:sld xmlns:a="http://schemas.openxmlformats.org/drawingml/2006/main" xmlns:r="http://schemas.openxmlformats.org/officeDocument/2006/relationships" xmlns:p="http://schemas.openxmlformats.org/presentationml/2006/main" show="0">
   <p:cSld>
     <p:spTree>
